--- a/document/2. 본선/스타일.pptx
+++ b/document/2. 본선/스타일.pptx
@@ -5,33 +5,34 @@
     <p:sldMasterId id="2147483660" r:id="rId1"/>
   </p:sldMasterIdLst>
   <p:notesMasterIdLst>
-    <p:notesMasterId r:id="rId26"/>
+    <p:notesMasterId r:id="rId27"/>
   </p:notesMasterIdLst>
   <p:sldIdLst>
     <p:sldId id="256" r:id="rId2"/>
-    <p:sldId id="268" r:id="rId3"/>
-    <p:sldId id="275" r:id="rId4"/>
-    <p:sldId id="273" r:id="rId5"/>
-    <p:sldId id="269" r:id="rId6"/>
-    <p:sldId id="263" r:id="rId7"/>
-    <p:sldId id="278" r:id="rId8"/>
-    <p:sldId id="264" r:id="rId9"/>
-    <p:sldId id="280" r:id="rId10"/>
-    <p:sldId id="276" r:id="rId11"/>
-    <p:sldId id="277" r:id="rId12"/>
-    <p:sldId id="274" r:id="rId13"/>
-    <p:sldId id="265" r:id="rId14"/>
-    <p:sldId id="270" r:id="rId15"/>
-    <p:sldId id="266" r:id="rId16"/>
-    <p:sldId id="272" r:id="rId17"/>
-    <p:sldId id="259" r:id="rId18"/>
-    <p:sldId id="267" r:id="rId19"/>
-    <p:sldId id="258" r:id="rId20"/>
-    <p:sldId id="261" r:id="rId21"/>
-    <p:sldId id="271" r:id="rId22"/>
-    <p:sldId id="260" r:id="rId23"/>
-    <p:sldId id="262" r:id="rId24"/>
-    <p:sldId id="279" r:id="rId25"/>
+    <p:sldId id="281" r:id="rId3"/>
+    <p:sldId id="268" r:id="rId4"/>
+    <p:sldId id="275" r:id="rId5"/>
+    <p:sldId id="273" r:id="rId6"/>
+    <p:sldId id="269" r:id="rId7"/>
+    <p:sldId id="263" r:id="rId8"/>
+    <p:sldId id="278" r:id="rId9"/>
+    <p:sldId id="264" r:id="rId10"/>
+    <p:sldId id="280" r:id="rId11"/>
+    <p:sldId id="276" r:id="rId12"/>
+    <p:sldId id="277" r:id="rId13"/>
+    <p:sldId id="274" r:id="rId14"/>
+    <p:sldId id="265" r:id="rId15"/>
+    <p:sldId id="270" r:id="rId16"/>
+    <p:sldId id="266" r:id="rId17"/>
+    <p:sldId id="272" r:id="rId18"/>
+    <p:sldId id="259" r:id="rId19"/>
+    <p:sldId id="267" r:id="rId20"/>
+    <p:sldId id="258" r:id="rId21"/>
+    <p:sldId id="261" r:id="rId22"/>
+    <p:sldId id="271" r:id="rId23"/>
+    <p:sldId id="260" r:id="rId24"/>
+    <p:sldId id="262" r:id="rId25"/>
+    <p:sldId id="279" r:id="rId26"/>
   </p:sldIdLst>
   <p:sldSz cx="12192000" cy="6858000"/>
   <p:notesSz cx="6858000" cy="9144000"/>
@@ -220,7 +221,7 @@
           <a:p>
             <a:fld id="{EB0C0226-ECFA-48BC-913F-B7E41160D9F0}" type="datetimeFigureOut">
               <a:rPr lang="en-US" smtClean="0"/>
-              <a:t>6/16/2018</a:t>
+              <a:t>6/19/2018</a:t>
             </a:fld>
             <a:endParaRPr lang="en-US"/>
           </a:p>
@@ -618,7 +619,7 @@
           <a:p>
             <a:fld id="{A7A85E6E-0D02-4346-81D2-1334F17C2486}" type="datetimeFigureOut">
               <a:rPr lang="en-US" smtClean="0"/>
-              <a:t>6/16/2018</a:t>
+              <a:t>6/19/2018</a:t>
             </a:fld>
             <a:endParaRPr lang="en-US"/>
           </a:p>
@@ -788,7 +789,7 @@
           <a:p>
             <a:fld id="{A7A85E6E-0D02-4346-81D2-1334F17C2486}" type="datetimeFigureOut">
               <a:rPr lang="en-US" smtClean="0"/>
-              <a:t>6/16/2018</a:t>
+              <a:t>6/19/2018</a:t>
             </a:fld>
             <a:endParaRPr lang="en-US"/>
           </a:p>
@@ -968,7 +969,7 @@
           <a:p>
             <a:fld id="{A7A85E6E-0D02-4346-81D2-1334F17C2486}" type="datetimeFigureOut">
               <a:rPr lang="en-US" smtClean="0"/>
-              <a:t>6/16/2018</a:t>
+              <a:t>6/19/2018</a:t>
             </a:fld>
             <a:endParaRPr lang="en-US"/>
           </a:p>
@@ -1138,7 +1139,7 @@
           <a:p>
             <a:fld id="{A7A85E6E-0D02-4346-81D2-1334F17C2486}" type="datetimeFigureOut">
               <a:rPr lang="en-US" smtClean="0"/>
-              <a:t>6/16/2018</a:t>
+              <a:t>6/19/2018</a:t>
             </a:fld>
             <a:endParaRPr lang="en-US"/>
           </a:p>
@@ -1382,7 +1383,7 @@
           <a:p>
             <a:fld id="{A7A85E6E-0D02-4346-81D2-1334F17C2486}" type="datetimeFigureOut">
               <a:rPr lang="en-US" smtClean="0"/>
-              <a:t>6/16/2018</a:t>
+              <a:t>6/19/2018</a:t>
             </a:fld>
             <a:endParaRPr lang="en-US"/>
           </a:p>
@@ -1614,7 +1615,7 @@
           <a:p>
             <a:fld id="{A7A85E6E-0D02-4346-81D2-1334F17C2486}" type="datetimeFigureOut">
               <a:rPr lang="en-US" smtClean="0"/>
-              <a:t>6/16/2018</a:t>
+              <a:t>6/19/2018</a:t>
             </a:fld>
             <a:endParaRPr lang="en-US"/>
           </a:p>
@@ -1981,7 +1982,7 @@
           <a:p>
             <a:fld id="{A7A85E6E-0D02-4346-81D2-1334F17C2486}" type="datetimeFigureOut">
               <a:rPr lang="en-US" smtClean="0"/>
-              <a:t>6/16/2018</a:t>
+              <a:t>6/19/2018</a:t>
             </a:fld>
             <a:endParaRPr lang="en-US"/>
           </a:p>
@@ -2099,7 +2100,7 @@
           <a:p>
             <a:fld id="{A7A85E6E-0D02-4346-81D2-1334F17C2486}" type="datetimeFigureOut">
               <a:rPr lang="en-US" smtClean="0"/>
-              <a:t>6/16/2018</a:t>
+              <a:t>6/19/2018</a:t>
             </a:fld>
             <a:endParaRPr lang="en-US"/>
           </a:p>
@@ -2194,7 +2195,7 @@
           <a:p>
             <a:fld id="{A7A85E6E-0D02-4346-81D2-1334F17C2486}" type="datetimeFigureOut">
               <a:rPr lang="en-US" smtClean="0"/>
-              <a:t>6/16/2018</a:t>
+              <a:t>6/19/2018</a:t>
             </a:fld>
             <a:endParaRPr lang="en-US"/>
           </a:p>
@@ -2471,7 +2472,7 @@
           <a:p>
             <a:fld id="{A7A85E6E-0D02-4346-81D2-1334F17C2486}" type="datetimeFigureOut">
               <a:rPr lang="en-US" smtClean="0"/>
-              <a:t>6/16/2018</a:t>
+              <a:t>6/19/2018</a:t>
             </a:fld>
             <a:endParaRPr lang="en-US"/>
           </a:p>
@@ -2728,7 +2729,7 @@
           <a:p>
             <a:fld id="{A7A85E6E-0D02-4346-81D2-1334F17C2486}" type="datetimeFigureOut">
               <a:rPr lang="en-US" smtClean="0"/>
-              <a:t>6/16/2018</a:t>
+              <a:t>6/19/2018</a:t>
             </a:fld>
             <a:endParaRPr lang="en-US"/>
           </a:p>
@@ -2941,7 +2942,7 @@
           <a:p>
             <a:fld id="{A7A85E6E-0D02-4346-81D2-1334F17C2486}" type="datetimeFigureOut">
               <a:rPr lang="en-US" smtClean="0"/>
-              <a:t>6/16/2018</a:t>
+              <a:t>6/19/2018</a:t>
             </a:fld>
             <a:endParaRPr lang="en-US"/>
           </a:p>
@@ -3404,6 +3405,13 @@
   <p:clrMapOvr>
     <a:masterClrMapping/>
   </p:clrMapOvr>
+  <p:timing>
+    <p:tnLst>
+      <p:par>
+        <p:cTn id="1" dur="indefinite" restart="never" nodeType="tmRoot"/>
+      </p:par>
+    </p:tnLst>
+  </p:timing>
 </p:sld>
 </file>
 
@@ -3426,10 +3434,10 @@
       </p:grpSpPr>
       <p:sp>
         <p:nvSpPr>
-          <p:cNvPr id="3" name="TextBox 2">
+          <p:cNvPr id="2" name="TextBox 1">
             <a:extLst>
               <a:ext uri="{FF2B5EF4-FFF2-40B4-BE49-F238E27FC236}">
-                <a16:creationId xmlns:a16="http://schemas.microsoft.com/office/drawing/2014/main" id="{E25CE3E5-1DDA-469E-903F-3F58261CCC8A}"/>
+                <a16:creationId xmlns:a16="http://schemas.microsoft.com/office/drawing/2014/main" id="{D5B4F999-995C-4458-8F8E-E66422DFEED6}"/>
               </a:ext>
             </a:extLst>
           </p:cNvPr>
@@ -3438,8 +3446,8 @@
         </p:nvSpPr>
         <p:spPr>
           <a:xfrm>
-            <a:off x="1861714" y="3951492"/>
-            <a:ext cx="1624163" cy="461665"/>
+            <a:off x="742950" y="533400"/>
+            <a:ext cx="1391728" cy="369332"/>
           </a:xfrm>
           <a:prstGeom prst="rect">
             <a:avLst/>
@@ -3453,215 +3461,17 @@
           <a:lstStyle/>
           <a:p>
             <a:r>
-              <a:rPr lang="ko-KR" altLang="en-US" sz="2400" dirty="0">
-                <a:latin typeface="나눔바른고딕 UltraLight" panose="020B0603020101020101" pitchFamily="50" charset="-127"/>
-                <a:ea typeface="나눔바른고딕 UltraLight" panose="020B0603020101020101" pitchFamily="50" charset="-127"/>
-              </a:rPr>
-              <a:t>그래픽 요소</a:t>
-            </a:r>
-            <a:endParaRPr lang="en-US" sz="2400" dirty="0">
-              <a:latin typeface="나눔바른고딕 UltraLight" panose="020B0603020101020101" pitchFamily="50" charset="-127"/>
-              <a:ea typeface="나눔바른고딕 UltraLight" panose="020B0603020101020101" pitchFamily="50" charset="-127"/>
-            </a:endParaRPr>
-          </a:p>
-        </p:txBody>
-      </p:sp>
-      <p:sp>
-        <p:nvSpPr>
-          <p:cNvPr id="4" name="TextBox 3">
-            <a:extLst>
-              <a:ext uri="{FF2B5EF4-FFF2-40B4-BE49-F238E27FC236}">
-                <a16:creationId xmlns:a16="http://schemas.microsoft.com/office/drawing/2014/main" id="{B5029907-547B-4375-8EC4-FB95087CD3B9}"/>
-              </a:ext>
-            </a:extLst>
-          </p:cNvPr>
-          <p:cNvSpPr txBox="1"/>
-          <p:nvPr/>
-        </p:nvSpPr>
-        <p:spPr>
-          <a:xfrm>
-            <a:off x="5283918" y="3951492"/>
-            <a:ext cx="1624163" cy="461665"/>
-          </a:xfrm>
-          <a:prstGeom prst="rect">
-            <a:avLst/>
-          </a:prstGeom>
-          <a:noFill/>
-        </p:spPr>
-        <p:txBody>
-          <a:bodyPr wrap="none" rtlCol="0">
-            <a:spAutoFit/>
-          </a:bodyPr>
-          <a:lstStyle/>
-          <a:p>
-            <a:r>
-              <a:rPr lang="ko-KR" altLang="en-US" sz="2400" dirty="0">
-                <a:latin typeface="나눔바른고딕 UltraLight" panose="020B0603020101020101" pitchFamily="50" charset="-127"/>
-                <a:ea typeface="나눔바른고딕 UltraLight" panose="020B0603020101020101" pitchFamily="50" charset="-127"/>
-              </a:rPr>
-              <a:t>스토리 요소</a:t>
-            </a:r>
-            <a:endParaRPr lang="en-US" sz="2400" dirty="0">
-              <a:latin typeface="나눔바른고딕 UltraLight" panose="020B0603020101020101" pitchFamily="50" charset="-127"/>
-              <a:ea typeface="나눔바른고딕 UltraLight" panose="020B0603020101020101" pitchFamily="50" charset="-127"/>
-            </a:endParaRPr>
-          </a:p>
-        </p:txBody>
-      </p:sp>
-      <p:sp>
-        <p:nvSpPr>
-          <p:cNvPr id="5" name="TextBox 4">
-            <a:extLst>
-              <a:ext uri="{FF2B5EF4-FFF2-40B4-BE49-F238E27FC236}">
-                <a16:creationId xmlns:a16="http://schemas.microsoft.com/office/drawing/2014/main" id="{2DD7AB35-0999-484F-80E2-108CAD62CFDD}"/>
-              </a:ext>
-            </a:extLst>
-          </p:cNvPr>
-          <p:cNvSpPr txBox="1"/>
-          <p:nvPr/>
-        </p:nvSpPr>
-        <p:spPr>
-          <a:xfrm>
-            <a:off x="8826406" y="3951492"/>
-            <a:ext cx="1624163" cy="461665"/>
-          </a:xfrm>
-          <a:prstGeom prst="rect">
-            <a:avLst/>
-          </a:prstGeom>
-          <a:noFill/>
-        </p:spPr>
-        <p:txBody>
-          <a:bodyPr wrap="none" rtlCol="0">
-            <a:spAutoFit/>
-          </a:bodyPr>
-          <a:lstStyle/>
-          <a:p>
-            <a:r>
-              <a:rPr lang="ko-KR" altLang="en-US" sz="2400" dirty="0">
-                <a:latin typeface="나눔바른고딕 UltraLight" panose="020B0603020101020101" pitchFamily="50" charset="-127"/>
-                <a:ea typeface="나눔바른고딕 UltraLight" panose="020B0603020101020101" pitchFamily="50" charset="-127"/>
-              </a:rPr>
-              <a:t>시스템 요소</a:t>
-            </a:r>
-            <a:endParaRPr lang="en-US" sz="2400" dirty="0">
-              <a:latin typeface="나눔바른고딕 UltraLight" panose="020B0603020101020101" pitchFamily="50" charset="-127"/>
-              <a:ea typeface="나눔바른고딕 UltraLight" panose="020B0603020101020101" pitchFamily="50" charset="-127"/>
-            </a:endParaRPr>
-          </a:p>
-        </p:txBody>
-      </p:sp>
-      <p:pic>
-        <p:nvPicPr>
-          <p:cNvPr id="7" name="Picture 6">
-            <a:extLst>
-              <a:ext uri="{FF2B5EF4-FFF2-40B4-BE49-F238E27FC236}">
-                <a16:creationId xmlns:a16="http://schemas.microsoft.com/office/drawing/2014/main" id="{4BFCB6E9-ED56-4481-8F2C-71F371D9708A}"/>
-              </a:ext>
-            </a:extLst>
-          </p:cNvPr>
-          <p:cNvPicPr>
-            <a:picLocks noChangeAspect="1"/>
-          </p:cNvPicPr>
-          <p:nvPr/>
-        </p:nvPicPr>
-        <p:blipFill>
-          <a:blip r:embed="rId2">
-            <a:extLst>
-              <a:ext uri="{28A0092B-C50C-407E-A947-70E740481C1C}">
-                <a14:useLocalDpi xmlns:a14="http://schemas.microsoft.com/office/drawing/2010/main" val="0"/>
-              </a:ext>
-            </a:extLst>
-          </a:blip>
-          <a:stretch>
-            <a:fillRect/>
-          </a:stretch>
-        </p:blipFill>
-        <p:spPr>
-          <a:xfrm>
-            <a:off x="2125673" y="2665491"/>
-            <a:ext cx="1114551" cy="1114551"/>
-          </a:xfrm>
-          <a:prstGeom prst="rect">
-            <a:avLst/>
-          </a:prstGeom>
-        </p:spPr>
-      </p:pic>
-      <p:pic>
-        <p:nvPicPr>
-          <p:cNvPr id="12" name="Picture 11">
-            <a:extLst>
-              <a:ext uri="{FF2B5EF4-FFF2-40B4-BE49-F238E27FC236}">
-                <a16:creationId xmlns:a16="http://schemas.microsoft.com/office/drawing/2014/main" id="{1739E1C5-CA2F-4CAD-AA8C-D39D8BDD3170}"/>
-              </a:ext>
-            </a:extLst>
-          </p:cNvPr>
-          <p:cNvPicPr>
-            <a:picLocks noChangeAspect="1"/>
-          </p:cNvPicPr>
-          <p:nvPr/>
-        </p:nvPicPr>
-        <p:blipFill>
-          <a:blip r:embed="rId3">
-            <a:extLst>
-              <a:ext uri="{28A0092B-C50C-407E-A947-70E740481C1C}">
-                <a14:useLocalDpi xmlns:a14="http://schemas.microsoft.com/office/drawing/2010/main" val="0"/>
-              </a:ext>
-            </a:extLst>
-          </a:blip>
-          <a:stretch>
-            <a:fillRect/>
-          </a:stretch>
-        </p:blipFill>
-        <p:spPr>
-          <a:xfrm>
-            <a:off x="9090364" y="2665490"/>
-            <a:ext cx="1114552" cy="1114552"/>
-          </a:xfrm>
-          <a:prstGeom prst="rect">
-            <a:avLst/>
-          </a:prstGeom>
-        </p:spPr>
-      </p:pic>
-      <p:pic>
-        <p:nvPicPr>
-          <p:cNvPr id="14" name="Picture 13">
-            <a:extLst>
-              <a:ext uri="{FF2B5EF4-FFF2-40B4-BE49-F238E27FC236}">
-                <a16:creationId xmlns:a16="http://schemas.microsoft.com/office/drawing/2014/main" id="{D9260EF4-74F5-44A0-875E-2C7555568414}"/>
-              </a:ext>
-            </a:extLst>
-          </p:cNvPr>
-          <p:cNvPicPr>
-            <a:picLocks noChangeAspect="1"/>
-          </p:cNvPicPr>
-          <p:nvPr/>
-        </p:nvPicPr>
-        <p:blipFill>
-          <a:blip r:embed="rId4">
-            <a:extLst>
-              <a:ext uri="{28A0092B-C50C-407E-A947-70E740481C1C}">
-                <a14:useLocalDpi xmlns:a14="http://schemas.microsoft.com/office/drawing/2010/main" val="0"/>
-              </a:ext>
-            </a:extLst>
-          </a:blip>
-          <a:stretch>
-            <a:fillRect/>
-          </a:stretch>
-        </p:blipFill>
-        <p:spPr>
-          <a:xfrm>
-            <a:off x="5538724" y="2665490"/>
-            <a:ext cx="1114552" cy="1114552"/>
-          </a:xfrm>
-          <a:prstGeom prst="rect">
-            <a:avLst/>
-          </a:prstGeom>
-        </p:spPr>
-      </p:pic>
+              <a:rPr lang="ko-KR" altLang="en-US" dirty="0"/>
+              <a:t>게임 플레이</a:t>
+            </a:r>
+            <a:endParaRPr lang="en-US" dirty="0"/>
+          </a:p>
+        </p:txBody>
+      </p:sp>
     </p:spTree>
     <p:extLst>
       <p:ext uri="{BB962C8B-B14F-4D97-AF65-F5344CB8AC3E}">
-        <p14:creationId xmlns:p14="http://schemas.microsoft.com/office/powerpoint/2010/main" val="4027912403"/>
+        <p14:creationId xmlns:p14="http://schemas.microsoft.com/office/powerpoint/2010/main" val="22560958"/>
       </p:ext>
     </p:extLst>
   </p:cSld>
@@ -3690,10 +3500,10 @@
       </p:grpSpPr>
       <p:sp>
         <p:nvSpPr>
-          <p:cNvPr id="2" name="TextBox 1">
+          <p:cNvPr id="3" name="TextBox 2">
             <a:extLst>
               <a:ext uri="{FF2B5EF4-FFF2-40B4-BE49-F238E27FC236}">
-                <a16:creationId xmlns:a16="http://schemas.microsoft.com/office/drawing/2014/main" id="{1C13232E-408A-4AA0-862D-07151F671EF2}"/>
+                <a16:creationId xmlns:a16="http://schemas.microsoft.com/office/drawing/2014/main" id="{E25CE3E5-1DDA-469E-903F-3F58261CCC8A}"/>
               </a:ext>
             </a:extLst>
           </p:cNvPr>
@@ -3702,8 +3512,8 @@
         </p:nvSpPr>
         <p:spPr>
           <a:xfrm>
-            <a:off x="1019175" y="790575"/>
-            <a:ext cx="1728358" cy="369332"/>
+            <a:off x="1861714" y="3951492"/>
+            <a:ext cx="1624163" cy="461665"/>
           </a:xfrm>
           <a:prstGeom prst="rect">
             <a:avLst/>
@@ -3717,17 +3527,215 @@
           <a:lstStyle/>
           <a:p>
             <a:r>
-              <a:rPr lang="ko-KR" altLang="en-US"/>
-              <a:t>게임  구현 방법</a:t>
-            </a:r>
-            <a:endParaRPr lang="en-US" dirty="0"/>
-          </a:p>
-        </p:txBody>
-      </p:sp>
+              <a:rPr lang="ko-KR" altLang="en-US" sz="2400" dirty="0">
+                <a:latin typeface="나눔바른고딕 UltraLight" panose="020B0603020101020101" pitchFamily="50" charset="-127"/>
+                <a:ea typeface="나눔바른고딕 UltraLight" panose="020B0603020101020101" pitchFamily="50" charset="-127"/>
+              </a:rPr>
+              <a:t>그래픽 요소</a:t>
+            </a:r>
+            <a:endParaRPr lang="en-US" sz="2400" dirty="0">
+              <a:latin typeface="나눔바른고딕 UltraLight" panose="020B0603020101020101" pitchFamily="50" charset="-127"/>
+              <a:ea typeface="나눔바른고딕 UltraLight" panose="020B0603020101020101" pitchFamily="50" charset="-127"/>
+            </a:endParaRPr>
+          </a:p>
+        </p:txBody>
+      </p:sp>
+      <p:sp>
+        <p:nvSpPr>
+          <p:cNvPr id="4" name="TextBox 3">
+            <a:extLst>
+              <a:ext uri="{FF2B5EF4-FFF2-40B4-BE49-F238E27FC236}">
+                <a16:creationId xmlns:a16="http://schemas.microsoft.com/office/drawing/2014/main" id="{B5029907-547B-4375-8EC4-FB95087CD3B9}"/>
+              </a:ext>
+            </a:extLst>
+          </p:cNvPr>
+          <p:cNvSpPr txBox="1"/>
+          <p:nvPr/>
+        </p:nvSpPr>
+        <p:spPr>
+          <a:xfrm>
+            <a:off x="5283918" y="3951492"/>
+            <a:ext cx="1624163" cy="461665"/>
+          </a:xfrm>
+          <a:prstGeom prst="rect">
+            <a:avLst/>
+          </a:prstGeom>
+          <a:noFill/>
+        </p:spPr>
+        <p:txBody>
+          <a:bodyPr wrap="none" rtlCol="0">
+            <a:spAutoFit/>
+          </a:bodyPr>
+          <a:lstStyle/>
+          <a:p>
+            <a:r>
+              <a:rPr lang="ko-KR" altLang="en-US" sz="2400" dirty="0">
+                <a:latin typeface="나눔바른고딕 UltraLight" panose="020B0603020101020101" pitchFamily="50" charset="-127"/>
+                <a:ea typeface="나눔바른고딕 UltraLight" panose="020B0603020101020101" pitchFamily="50" charset="-127"/>
+              </a:rPr>
+              <a:t>스토리 요소</a:t>
+            </a:r>
+            <a:endParaRPr lang="en-US" sz="2400" dirty="0">
+              <a:latin typeface="나눔바른고딕 UltraLight" panose="020B0603020101020101" pitchFamily="50" charset="-127"/>
+              <a:ea typeface="나눔바른고딕 UltraLight" panose="020B0603020101020101" pitchFamily="50" charset="-127"/>
+            </a:endParaRPr>
+          </a:p>
+        </p:txBody>
+      </p:sp>
+      <p:sp>
+        <p:nvSpPr>
+          <p:cNvPr id="5" name="TextBox 4">
+            <a:extLst>
+              <a:ext uri="{FF2B5EF4-FFF2-40B4-BE49-F238E27FC236}">
+                <a16:creationId xmlns:a16="http://schemas.microsoft.com/office/drawing/2014/main" id="{2DD7AB35-0999-484F-80E2-108CAD62CFDD}"/>
+              </a:ext>
+            </a:extLst>
+          </p:cNvPr>
+          <p:cNvSpPr txBox="1"/>
+          <p:nvPr/>
+        </p:nvSpPr>
+        <p:spPr>
+          <a:xfrm>
+            <a:off x="8826406" y="3951492"/>
+            <a:ext cx="1624163" cy="461665"/>
+          </a:xfrm>
+          <a:prstGeom prst="rect">
+            <a:avLst/>
+          </a:prstGeom>
+          <a:noFill/>
+        </p:spPr>
+        <p:txBody>
+          <a:bodyPr wrap="none" rtlCol="0">
+            <a:spAutoFit/>
+          </a:bodyPr>
+          <a:lstStyle/>
+          <a:p>
+            <a:r>
+              <a:rPr lang="ko-KR" altLang="en-US" sz="2400" dirty="0">
+                <a:latin typeface="나눔바른고딕 UltraLight" panose="020B0603020101020101" pitchFamily="50" charset="-127"/>
+                <a:ea typeface="나눔바른고딕 UltraLight" panose="020B0603020101020101" pitchFamily="50" charset="-127"/>
+              </a:rPr>
+              <a:t>시스템 요소</a:t>
+            </a:r>
+            <a:endParaRPr lang="en-US" sz="2400" dirty="0">
+              <a:latin typeface="나눔바른고딕 UltraLight" panose="020B0603020101020101" pitchFamily="50" charset="-127"/>
+              <a:ea typeface="나눔바른고딕 UltraLight" panose="020B0603020101020101" pitchFamily="50" charset="-127"/>
+            </a:endParaRPr>
+          </a:p>
+        </p:txBody>
+      </p:sp>
+      <p:pic>
+        <p:nvPicPr>
+          <p:cNvPr id="7" name="Picture 6">
+            <a:extLst>
+              <a:ext uri="{FF2B5EF4-FFF2-40B4-BE49-F238E27FC236}">
+                <a16:creationId xmlns:a16="http://schemas.microsoft.com/office/drawing/2014/main" id="{4BFCB6E9-ED56-4481-8F2C-71F371D9708A}"/>
+              </a:ext>
+            </a:extLst>
+          </p:cNvPr>
+          <p:cNvPicPr>
+            <a:picLocks noChangeAspect="1"/>
+          </p:cNvPicPr>
+          <p:nvPr/>
+        </p:nvPicPr>
+        <p:blipFill>
+          <a:blip r:embed="rId2">
+            <a:extLst>
+              <a:ext uri="{28A0092B-C50C-407E-A947-70E740481C1C}">
+                <a14:useLocalDpi xmlns:a14="http://schemas.microsoft.com/office/drawing/2010/main" val="0"/>
+              </a:ext>
+            </a:extLst>
+          </a:blip>
+          <a:stretch>
+            <a:fillRect/>
+          </a:stretch>
+        </p:blipFill>
+        <p:spPr>
+          <a:xfrm>
+            <a:off x="2125673" y="2665491"/>
+            <a:ext cx="1114551" cy="1114551"/>
+          </a:xfrm>
+          <a:prstGeom prst="rect">
+            <a:avLst/>
+          </a:prstGeom>
+        </p:spPr>
+      </p:pic>
+      <p:pic>
+        <p:nvPicPr>
+          <p:cNvPr id="12" name="Picture 11">
+            <a:extLst>
+              <a:ext uri="{FF2B5EF4-FFF2-40B4-BE49-F238E27FC236}">
+                <a16:creationId xmlns:a16="http://schemas.microsoft.com/office/drawing/2014/main" id="{1739E1C5-CA2F-4CAD-AA8C-D39D8BDD3170}"/>
+              </a:ext>
+            </a:extLst>
+          </p:cNvPr>
+          <p:cNvPicPr>
+            <a:picLocks noChangeAspect="1"/>
+          </p:cNvPicPr>
+          <p:nvPr/>
+        </p:nvPicPr>
+        <p:blipFill>
+          <a:blip r:embed="rId3">
+            <a:extLst>
+              <a:ext uri="{28A0092B-C50C-407E-A947-70E740481C1C}">
+                <a14:useLocalDpi xmlns:a14="http://schemas.microsoft.com/office/drawing/2010/main" val="0"/>
+              </a:ext>
+            </a:extLst>
+          </a:blip>
+          <a:stretch>
+            <a:fillRect/>
+          </a:stretch>
+        </p:blipFill>
+        <p:spPr>
+          <a:xfrm>
+            <a:off x="9090364" y="2665490"/>
+            <a:ext cx="1114552" cy="1114552"/>
+          </a:xfrm>
+          <a:prstGeom prst="rect">
+            <a:avLst/>
+          </a:prstGeom>
+        </p:spPr>
+      </p:pic>
+      <p:pic>
+        <p:nvPicPr>
+          <p:cNvPr id="14" name="Picture 13">
+            <a:extLst>
+              <a:ext uri="{FF2B5EF4-FFF2-40B4-BE49-F238E27FC236}">
+                <a16:creationId xmlns:a16="http://schemas.microsoft.com/office/drawing/2014/main" id="{D9260EF4-74F5-44A0-875E-2C7555568414}"/>
+              </a:ext>
+            </a:extLst>
+          </p:cNvPr>
+          <p:cNvPicPr>
+            <a:picLocks noChangeAspect="1"/>
+          </p:cNvPicPr>
+          <p:nvPr/>
+        </p:nvPicPr>
+        <p:blipFill>
+          <a:blip r:embed="rId4">
+            <a:extLst>
+              <a:ext uri="{28A0092B-C50C-407E-A947-70E740481C1C}">
+                <a14:useLocalDpi xmlns:a14="http://schemas.microsoft.com/office/drawing/2010/main" val="0"/>
+              </a:ext>
+            </a:extLst>
+          </a:blip>
+          <a:stretch>
+            <a:fillRect/>
+          </a:stretch>
+        </p:blipFill>
+        <p:spPr>
+          <a:xfrm>
+            <a:off x="5538724" y="2665490"/>
+            <a:ext cx="1114552" cy="1114552"/>
+          </a:xfrm>
+          <a:prstGeom prst="rect">
+            <a:avLst/>
+          </a:prstGeom>
+        </p:spPr>
+      </p:pic>
     </p:spTree>
     <p:extLst>
       <p:ext uri="{BB962C8B-B14F-4D97-AF65-F5344CB8AC3E}">
-        <p14:creationId xmlns:p14="http://schemas.microsoft.com/office/powerpoint/2010/main" val="1669016547"/>
+        <p14:creationId xmlns:p14="http://schemas.microsoft.com/office/powerpoint/2010/main" val="4027912403"/>
       </p:ext>
     </p:extLst>
   </p:cSld>
@@ -3759,6 +3767,72 @@
           <p:cNvPr id="2" name="TextBox 1">
             <a:extLst>
               <a:ext uri="{FF2B5EF4-FFF2-40B4-BE49-F238E27FC236}">
+                <a16:creationId xmlns:a16="http://schemas.microsoft.com/office/drawing/2014/main" id="{1C13232E-408A-4AA0-862D-07151F671EF2}"/>
+              </a:ext>
+            </a:extLst>
+          </p:cNvPr>
+          <p:cNvSpPr txBox="1"/>
+          <p:nvPr/>
+        </p:nvSpPr>
+        <p:spPr>
+          <a:xfrm>
+            <a:off x="1019175" y="790575"/>
+            <a:ext cx="1728358" cy="369332"/>
+          </a:xfrm>
+          <a:prstGeom prst="rect">
+            <a:avLst/>
+          </a:prstGeom>
+          <a:noFill/>
+        </p:spPr>
+        <p:txBody>
+          <a:bodyPr wrap="none" rtlCol="0">
+            <a:spAutoFit/>
+          </a:bodyPr>
+          <a:lstStyle/>
+          <a:p>
+            <a:r>
+              <a:rPr lang="ko-KR" altLang="en-US"/>
+              <a:t>게임  구현 방법</a:t>
+            </a:r>
+            <a:endParaRPr lang="en-US" dirty="0"/>
+          </a:p>
+        </p:txBody>
+      </p:sp>
+    </p:spTree>
+    <p:extLst>
+      <p:ext uri="{BB962C8B-B14F-4D97-AF65-F5344CB8AC3E}">
+        <p14:creationId xmlns:p14="http://schemas.microsoft.com/office/powerpoint/2010/main" val="1669016547"/>
+      </p:ext>
+    </p:extLst>
+  </p:cSld>
+  <p:clrMapOvr>
+    <a:masterClrMapping/>
+  </p:clrMapOvr>
+</p:sld>
+</file>
+
+<file path=ppt/slides/slide13.xml><?xml version="1.0" encoding="utf-8"?>
+<p:sld xmlns:a="http://schemas.openxmlformats.org/drawingml/2006/main" xmlns:r="http://schemas.openxmlformats.org/officeDocument/2006/relationships" xmlns:p="http://schemas.openxmlformats.org/presentationml/2006/main">
+  <p:cSld>
+    <p:spTree>
+      <p:nvGrpSpPr>
+        <p:cNvPr id="1" name=""/>
+        <p:cNvGrpSpPr/>
+        <p:nvPr/>
+      </p:nvGrpSpPr>
+      <p:grpSpPr>
+        <a:xfrm>
+          <a:off x="0" y="0"/>
+          <a:ext cx="0" cy="0"/>
+          <a:chOff x="0" y="0"/>
+          <a:chExt cx="0" cy="0"/>
+        </a:xfrm>
+      </p:grpSpPr>
+      <p:sp>
+        <p:nvSpPr>
+          <p:cNvPr id="2" name="TextBox 1">
+            <a:extLst>
+              <a:ext uri="{FF2B5EF4-FFF2-40B4-BE49-F238E27FC236}">
                 <a16:creationId xmlns:a16="http://schemas.microsoft.com/office/drawing/2014/main" id="{9A7C1F17-6BD5-4AA4-8778-5625B44AD34E}"/>
               </a:ext>
             </a:extLst>
@@ -3869,7 +3943,7 @@
 </p:sld>
 </file>
 
-<file path=ppt/slides/slide13.xml><?xml version="1.0" encoding="utf-8"?>
+<file path=ppt/slides/slide14.xml><?xml version="1.0" encoding="utf-8"?>
 <p:sld xmlns:a="http://schemas.openxmlformats.org/drawingml/2006/main" xmlns:r="http://schemas.openxmlformats.org/officeDocument/2006/relationships" xmlns:p="http://schemas.openxmlformats.org/presentationml/2006/main">
   <p:cSld>
     <p:bg>
@@ -4071,7 +4145,7 @@
 </p:sld>
 </file>
 
-<file path=ppt/slides/slide14.xml><?xml version="1.0" encoding="utf-8"?>
+<file path=ppt/slides/slide15.xml><?xml version="1.0" encoding="utf-8"?>
 <p:sld xmlns:a="http://schemas.openxmlformats.org/drawingml/2006/main" xmlns:r="http://schemas.openxmlformats.org/officeDocument/2006/relationships" xmlns:p="http://schemas.openxmlformats.org/presentationml/2006/main">
   <p:cSld>
     <p:spTree>
@@ -4286,7 +4360,7 @@
           <p:nvPr/>
         </p:nvPicPr>
         <p:blipFill>
-          <a:blip r:embed="rId5">
+          <a:blip r:embed="rId5" cstate="hqprint">
             <a:extLst>
               <a:ext uri="{28A0092B-C50C-407E-A947-70E740481C1C}">
                 <a14:useLocalDpi xmlns:a14="http://schemas.microsoft.com/office/drawing/2010/main" val="0"/>
@@ -4357,10 +4431,17 @@
   <p:clrMapOvr>
     <a:masterClrMapping/>
   </p:clrMapOvr>
+  <p:timing>
+    <p:tnLst>
+      <p:par>
+        <p:cTn id="1" dur="indefinite" restart="never" nodeType="tmRoot"/>
+      </p:par>
+    </p:tnLst>
+  </p:timing>
 </p:sld>
 </file>
 
-<file path=ppt/slides/slide15.xml><?xml version="1.0" encoding="utf-8"?>
+<file path=ppt/slides/slide16.xml><?xml version="1.0" encoding="utf-8"?>
 <p:sld xmlns:a="http://schemas.openxmlformats.org/drawingml/2006/main" xmlns:r="http://schemas.openxmlformats.org/officeDocument/2006/relationships" xmlns:p="http://schemas.openxmlformats.org/presentationml/2006/main">
   <p:cSld>
     <p:bg>
@@ -4486,7 +4567,7 @@
 </p:sld>
 </file>
 
-<file path=ppt/slides/slide16.xml><?xml version="1.0" encoding="utf-8"?>
+<file path=ppt/slides/slide17.xml><?xml version="1.0" encoding="utf-8"?>
 <p:sld xmlns:a="http://schemas.openxmlformats.org/drawingml/2006/main" xmlns:r="http://schemas.openxmlformats.org/officeDocument/2006/relationships" xmlns:p="http://schemas.openxmlformats.org/presentationml/2006/main">
   <p:cSld>
     <p:spTree>
@@ -4516,7 +4597,7 @@
 </p:sld>
 </file>
 
-<file path=ppt/slides/slide17.xml><?xml version="1.0" encoding="utf-8"?>
+<file path=ppt/slides/slide18.xml><?xml version="1.0" encoding="utf-8"?>
 <p:sld xmlns:a="http://schemas.openxmlformats.org/drawingml/2006/main" xmlns:r="http://schemas.openxmlformats.org/officeDocument/2006/relationships" xmlns:p="http://schemas.openxmlformats.org/presentationml/2006/main">
   <p:cSld>
     <p:spTree>
@@ -4640,7 +4721,7 @@
 </p:sld>
 </file>
 
-<file path=ppt/slides/slide18.xml><?xml version="1.0" encoding="utf-8"?>
+<file path=ppt/slides/slide19.xml><?xml version="1.0" encoding="utf-8"?>
 <p:sld xmlns:a="http://schemas.openxmlformats.org/drawingml/2006/main" xmlns:r="http://schemas.openxmlformats.org/officeDocument/2006/relationships" xmlns:p="http://schemas.openxmlformats.org/presentationml/2006/main">
   <p:cSld>
     <p:bg>
@@ -4809,701 +4890,6 @@
 </p:sld>
 </file>
 
-<file path=ppt/slides/slide19.xml><?xml version="1.0" encoding="utf-8"?>
-<p:sld xmlns:a="http://schemas.openxmlformats.org/drawingml/2006/main" xmlns:r="http://schemas.openxmlformats.org/officeDocument/2006/relationships" xmlns:p="http://schemas.openxmlformats.org/presentationml/2006/main">
-  <p:cSld>
-    <p:spTree>
-      <p:nvGrpSpPr>
-        <p:cNvPr id="1" name=""/>
-        <p:cNvGrpSpPr/>
-        <p:nvPr/>
-      </p:nvGrpSpPr>
-      <p:grpSpPr>
-        <a:xfrm>
-          <a:off x="0" y="0"/>
-          <a:ext cx="0" cy="0"/>
-          <a:chOff x="0" y="0"/>
-          <a:chExt cx="0" cy="0"/>
-        </a:xfrm>
-      </p:grpSpPr>
-      <p:sp>
-        <p:nvSpPr>
-          <p:cNvPr id="3" name="Oval 2">
-            <a:extLst>
-              <a:ext uri="{FF2B5EF4-FFF2-40B4-BE49-F238E27FC236}">
-                <a16:creationId xmlns:a16="http://schemas.microsoft.com/office/drawing/2014/main" id="{F021E353-3CAA-4F2F-A33A-9AA458A0360E}"/>
-              </a:ext>
-            </a:extLst>
-          </p:cNvPr>
-          <p:cNvSpPr/>
-          <p:nvPr/>
-        </p:nvSpPr>
-        <p:spPr>
-          <a:xfrm>
-            <a:off x="2647648" y="2489702"/>
-            <a:ext cx="1012217" cy="1012217"/>
-          </a:xfrm>
-          <a:prstGeom prst="ellipse">
-            <a:avLst/>
-          </a:prstGeom>
-          <a:effectLst>
-            <a:outerShdw blurRad="76200" dir="13500000" sy="23000" kx="1200000" algn="br" rotWithShape="0">
-              <a:prstClr val="black">
-                <a:alpha val="20000"/>
-              </a:prstClr>
-            </a:outerShdw>
-          </a:effectLst>
-          <a:scene3d>
-            <a:camera prst="isometricOffAxis1Right"/>
-            <a:lightRig rig="threePt" dir="t"/>
-          </a:scene3d>
-        </p:spPr>
-        <p:style>
-          <a:lnRef idx="2">
-            <a:schemeClr val="accent2">
-              <a:shade val="50000"/>
-            </a:schemeClr>
-          </a:lnRef>
-          <a:fillRef idx="1">
-            <a:schemeClr val="accent2"/>
-          </a:fillRef>
-          <a:effectRef idx="0">
-            <a:schemeClr val="accent2"/>
-          </a:effectRef>
-          <a:fontRef idx="minor">
-            <a:schemeClr val="lt1"/>
-          </a:fontRef>
-        </p:style>
-        <p:txBody>
-          <a:bodyPr rot="0" spcFirstLastPara="0" vertOverflow="overflow" horzOverflow="overflow" vert="horz" wrap="square" lIns="91440" tIns="45720" rIns="91440" bIns="45720" numCol="1" spcCol="0" rtlCol="0" fromWordArt="0" anchor="ctr" anchorCtr="0" forceAA="0" compatLnSpc="1">
-            <a:prstTxWarp prst="textNoShape">
-              <a:avLst/>
-            </a:prstTxWarp>
-            <a:noAutofit/>
-          </a:bodyPr>
-          <a:lstStyle/>
-          <a:p>
-            <a:pPr algn="ctr"/>
-            <a:endParaRPr lang="en-US">
-              <a:effectLst>
-                <a:outerShdw blurRad="60007" dist="310007" dir="7680000" sy="30000" kx="1300200" algn="ctr" rotWithShape="0">
-                  <a:prstClr val="black">
-                    <a:alpha val="32000"/>
-                  </a:prstClr>
-                </a:outerShdw>
-              </a:effectLst>
-            </a:endParaRPr>
-          </a:p>
-        </p:txBody>
-      </p:sp>
-      <p:sp>
-        <p:nvSpPr>
-          <p:cNvPr id="4" name="Oval 3">
-            <a:extLst>
-              <a:ext uri="{FF2B5EF4-FFF2-40B4-BE49-F238E27FC236}">
-                <a16:creationId xmlns:a16="http://schemas.microsoft.com/office/drawing/2014/main" id="{34E0EE0C-9E88-4A1B-9C06-98E28D8DF011}"/>
-              </a:ext>
-            </a:extLst>
-          </p:cNvPr>
-          <p:cNvSpPr/>
-          <p:nvPr/>
-        </p:nvSpPr>
-        <p:spPr>
-          <a:xfrm>
-            <a:off x="5214105" y="1952709"/>
-            <a:ext cx="1012217" cy="1012217"/>
-          </a:xfrm>
-          <a:prstGeom prst="ellipse">
-            <a:avLst/>
-          </a:prstGeom>
-          <a:effectLst>
-            <a:outerShdw blurRad="76200" dir="13500000" sy="23000" kx="1200000" algn="br" rotWithShape="0">
-              <a:prstClr val="black">
-                <a:alpha val="20000"/>
-              </a:prstClr>
-            </a:outerShdw>
-          </a:effectLst>
-          <a:scene3d>
-            <a:camera prst="isometricOffAxis1Right"/>
-            <a:lightRig rig="threePt" dir="t"/>
-          </a:scene3d>
-        </p:spPr>
-        <p:style>
-          <a:lnRef idx="2">
-            <a:schemeClr val="accent5">
-              <a:shade val="50000"/>
-            </a:schemeClr>
-          </a:lnRef>
-          <a:fillRef idx="1">
-            <a:schemeClr val="accent5"/>
-          </a:fillRef>
-          <a:effectRef idx="0">
-            <a:schemeClr val="accent5"/>
-          </a:effectRef>
-          <a:fontRef idx="minor">
-            <a:schemeClr val="lt1"/>
-          </a:fontRef>
-        </p:style>
-        <p:txBody>
-          <a:bodyPr rot="0" spcFirstLastPara="0" vertOverflow="overflow" horzOverflow="overflow" vert="horz" wrap="square" lIns="91440" tIns="45720" rIns="91440" bIns="45720" numCol="1" spcCol="0" rtlCol="0" fromWordArt="0" anchor="ctr" anchorCtr="0" forceAA="0" compatLnSpc="1">
-            <a:prstTxWarp prst="textNoShape">
-              <a:avLst/>
-            </a:prstTxWarp>
-            <a:noAutofit/>
-          </a:bodyPr>
-          <a:lstStyle/>
-          <a:p>
-            <a:pPr algn="ctr"/>
-            <a:endParaRPr lang="en-US">
-              <a:effectLst>
-                <a:outerShdw blurRad="60007" dist="310007" dir="7680000" sy="30000" kx="1300200" algn="ctr" rotWithShape="0">
-                  <a:prstClr val="black">
-                    <a:alpha val="32000"/>
-                  </a:prstClr>
-                </a:outerShdw>
-              </a:effectLst>
-            </a:endParaRPr>
-          </a:p>
-        </p:txBody>
-      </p:sp>
-      <p:sp>
-        <p:nvSpPr>
-          <p:cNvPr id="5" name="Oval 4">
-            <a:extLst>
-              <a:ext uri="{FF2B5EF4-FFF2-40B4-BE49-F238E27FC236}">
-                <a16:creationId xmlns:a16="http://schemas.microsoft.com/office/drawing/2014/main" id="{DDCFE255-05DD-41A2-8416-BB857AD3CDDA}"/>
-              </a:ext>
-            </a:extLst>
-          </p:cNvPr>
-          <p:cNvSpPr/>
-          <p:nvPr/>
-        </p:nvSpPr>
-        <p:spPr>
-          <a:xfrm>
-            <a:off x="4354396" y="4253350"/>
-            <a:ext cx="1012217" cy="1012217"/>
-          </a:xfrm>
-          <a:prstGeom prst="ellipse">
-            <a:avLst/>
-          </a:prstGeom>
-          <a:effectLst>
-            <a:outerShdw blurRad="76200" dir="13500000" sy="23000" kx="1200000" algn="br" rotWithShape="0">
-              <a:prstClr val="black">
-                <a:alpha val="20000"/>
-              </a:prstClr>
-            </a:outerShdw>
-          </a:effectLst>
-          <a:scene3d>
-            <a:camera prst="isometricOffAxis1Right"/>
-            <a:lightRig rig="threePt" dir="t"/>
-          </a:scene3d>
-        </p:spPr>
-        <p:style>
-          <a:lnRef idx="2">
-            <a:schemeClr val="accent4">
-              <a:shade val="50000"/>
-            </a:schemeClr>
-          </a:lnRef>
-          <a:fillRef idx="1">
-            <a:schemeClr val="accent4"/>
-          </a:fillRef>
-          <a:effectRef idx="0">
-            <a:schemeClr val="accent4"/>
-          </a:effectRef>
-          <a:fontRef idx="minor">
-            <a:schemeClr val="lt1"/>
-          </a:fontRef>
-        </p:style>
-        <p:txBody>
-          <a:bodyPr rot="0" spcFirstLastPara="0" vertOverflow="overflow" horzOverflow="overflow" vert="horz" wrap="square" lIns="91440" tIns="45720" rIns="91440" bIns="45720" numCol="1" spcCol="0" rtlCol="0" fromWordArt="0" anchor="ctr" anchorCtr="0" forceAA="0" compatLnSpc="1">
-            <a:prstTxWarp prst="textNoShape">
-              <a:avLst/>
-            </a:prstTxWarp>
-            <a:noAutofit/>
-          </a:bodyPr>
-          <a:lstStyle/>
-          <a:p>
-            <a:pPr algn="ctr"/>
-            <a:endParaRPr lang="en-US">
-              <a:effectLst>
-                <a:outerShdw blurRad="60007" dist="310007" dir="7680000" sy="30000" kx="1300200" algn="ctr" rotWithShape="0">
-                  <a:prstClr val="black">
-                    <a:alpha val="32000"/>
-                  </a:prstClr>
-                </a:outerShdw>
-              </a:effectLst>
-            </a:endParaRPr>
-          </a:p>
-        </p:txBody>
-      </p:sp>
-      <p:sp>
-        <p:nvSpPr>
-          <p:cNvPr id="6" name="Oval 5">
-            <a:extLst>
-              <a:ext uri="{FF2B5EF4-FFF2-40B4-BE49-F238E27FC236}">
-                <a16:creationId xmlns:a16="http://schemas.microsoft.com/office/drawing/2014/main" id="{ED31227F-8F6E-49B2-93A7-E26E1DE2CE35}"/>
-              </a:ext>
-            </a:extLst>
-          </p:cNvPr>
-          <p:cNvSpPr/>
-          <p:nvPr/>
-        </p:nvSpPr>
-        <p:spPr>
-          <a:xfrm>
-            <a:off x="7255993" y="3747241"/>
-            <a:ext cx="1012217" cy="1012217"/>
-          </a:xfrm>
-          <a:prstGeom prst="ellipse">
-            <a:avLst/>
-          </a:prstGeom>
-          <a:effectLst>
-            <a:outerShdw blurRad="76200" dir="13500000" sy="23000" kx="1200000" algn="br" rotWithShape="0">
-              <a:prstClr val="black">
-                <a:alpha val="20000"/>
-              </a:prstClr>
-            </a:outerShdw>
-          </a:effectLst>
-          <a:scene3d>
-            <a:camera prst="isometricOffAxis1Right"/>
-            <a:lightRig rig="threePt" dir="t"/>
-          </a:scene3d>
-        </p:spPr>
-        <p:style>
-          <a:lnRef idx="2">
-            <a:schemeClr val="accent3">
-              <a:shade val="50000"/>
-            </a:schemeClr>
-          </a:lnRef>
-          <a:fillRef idx="1">
-            <a:schemeClr val="accent3"/>
-          </a:fillRef>
-          <a:effectRef idx="0">
-            <a:schemeClr val="accent3"/>
-          </a:effectRef>
-          <a:fontRef idx="minor">
-            <a:schemeClr val="lt1"/>
-          </a:fontRef>
-        </p:style>
-        <p:txBody>
-          <a:bodyPr rot="0" spcFirstLastPara="0" vertOverflow="overflow" horzOverflow="overflow" vert="horz" wrap="square" lIns="91440" tIns="45720" rIns="91440" bIns="45720" numCol="1" spcCol="0" rtlCol="0" fromWordArt="0" anchor="ctr" anchorCtr="0" forceAA="0" compatLnSpc="1">
-            <a:prstTxWarp prst="textNoShape">
-              <a:avLst/>
-            </a:prstTxWarp>
-            <a:noAutofit/>
-          </a:bodyPr>
-          <a:lstStyle/>
-          <a:p>
-            <a:pPr algn="ctr"/>
-            <a:endParaRPr lang="en-US">
-              <a:effectLst>
-                <a:outerShdw blurRad="60007" dist="310007" dir="7680000" sy="30000" kx="1300200" algn="ctr" rotWithShape="0">
-                  <a:prstClr val="black">
-                    <a:alpha val="32000"/>
-                  </a:prstClr>
-                </a:outerShdw>
-              </a:effectLst>
-            </a:endParaRPr>
-          </a:p>
-        </p:txBody>
-      </p:sp>
-      <p:sp>
-        <p:nvSpPr>
-          <p:cNvPr id="7" name="Oval 6">
-            <a:extLst>
-              <a:ext uri="{FF2B5EF4-FFF2-40B4-BE49-F238E27FC236}">
-                <a16:creationId xmlns:a16="http://schemas.microsoft.com/office/drawing/2014/main" id="{639CA5E0-E5F5-4CD7-9C70-B0D33B217C5E}"/>
-              </a:ext>
-            </a:extLst>
-          </p:cNvPr>
-          <p:cNvSpPr/>
-          <p:nvPr/>
-        </p:nvSpPr>
-        <p:spPr>
-          <a:xfrm>
-            <a:off x="7609593" y="1477485"/>
-            <a:ext cx="1012217" cy="1012217"/>
-          </a:xfrm>
-          <a:prstGeom prst="ellipse">
-            <a:avLst/>
-          </a:prstGeom>
-          <a:effectLst>
-            <a:outerShdw blurRad="76200" dir="13500000" sy="23000" kx="1200000" algn="br" rotWithShape="0">
-              <a:prstClr val="black">
-                <a:alpha val="20000"/>
-              </a:prstClr>
-            </a:outerShdw>
-          </a:effectLst>
-          <a:scene3d>
-            <a:camera prst="isometricOffAxis1Right"/>
-            <a:lightRig rig="threePt" dir="t"/>
-          </a:scene3d>
-        </p:spPr>
-        <p:style>
-          <a:lnRef idx="2">
-            <a:schemeClr val="accent6">
-              <a:shade val="50000"/>
-            </a:schemeClr>
-          </a:lnRef>
-          <a:fillRef idx="1">
-            <a:schemeClr val="accent6"/>
-          </a:fillRef>
-          <a:effectRef idx="0">
-            <a:schemeClr val="accent6"/>
-          </a:effectRef>
-          <a:fontRef idx="minor">
-            <a:schemeClr val="lt1"/>
-          </a:fontRef>
-        </p:style>
-        <p:txBody>
-          <a:bodyPr rot="0" spcFirstLastPara="0" vertOverflow="overflow" horzOverflow="overflow" vert="horz" wrap="square" lIns="91440" tIns="45720" rIns="91440" bIns="45720" numCol="1" spcCol="0" rtlCol="0" fromWordArt="0" anchor="ctr" anchorCtr="0" forceAA="0" compatLnSpc="1">
-            <a:prstTxWarp prst="textNoShape">
-              <a:avLst/>
-            </a:prstTxWarp>
-            <a:noAutofit/>
-          </a:bodyPr>
-          <a:lstStyle/>
-          <a:p>
-            <a:pPr algn="ctr"/>
-            <a:endParaRPr lang="en-US">
-              <a:effectLst>
-                <a:outerShdw blurRad="60007" dist="310007" dir="7680000" sy="30000" kx="1300200" algn="ctr" rotWithShape="0">
-                  <a:prstClr val="black">
-                    <a:alpha val="32000"/>
-                  </a:prstClr>
-                </a:outerShdw>
-              </a:effectLst>
-            </a:endParaRPr>
-          </a:p>
-        </p:txBody>
-      </p:sp>
-      <p:sp>
-        <p:nvSpPr>
-          <p:cNvPr id="15" name="TextBox 14">
-            <a:extLst>
-              <a:ext uri="{FF2B5EF4-FFF2-40B4-BE49-F238E27FC236}">
-                <a16:creationId xmlns:a16="http://schemas.microsoft.com/office/drawing/2014/main" id="{3011FC81-D9BD-40D2-A7E9-3F158926EB43}"/>
-              </a:ext>
-            </a:extLst>
-          </p:cNvPr>
-          <p:cNvSpPr txBox="1"/>
-          <p:nvPr/>
-        </p:nvSpPr>
-        <p:spPr>
-          <a:xfrm>
-            <a:off x="6226322" y="2458817"/>
-            <a:ext cx="877163" cy="369332"/>
-          </a:xfrm>
-          <a:prstGeom prst="rect">
-            <a:avLst/>
-          </a:prstGeom>
-          <a:noFill/>
-          <a:effectLst>
-            <a:outerShdw blurRad="76200" dir="13500000" sy="23000" kx="1200000" algn="br" rotWithShape="0">
-              <a:prstClr val="black">
-                <a:alpha val="20000"/>
-              </a:prstClr>
-            </a:outerShdw>
-          </a:effectLst>
-          <a:scene3d>
-            <a:camera prst="isometricOffAxis1Right"/>
-            <a:lightRig rig="threePt" dir="t"/>
-          </a:scene3d>
-        </p:spPr>
-        <p:txBody>
-          <a:bodyPr wrap="none" rtlCol="0">
-            <a:spAutoFit/>
-          </a:bodyPr>
-          <a:lstStyle/>
-          <a:p>
-            <a:r>
-              <a:rPr lang="ko-KR" altLang="en-US" dirty="0">
-                <a:effectLst>
-                  <a:outerShdw blurRad="60007" dist="310007" dir="7680000" sy="30000" kx="1300200" algn="ctr" rotWithShape="0">
-                    <a:prstClr val="black">
-                      <a:alpha val="32000"/>
-                    </a:prstClr>
-                  </a:outerShdw>
-                </a:effectLst>
-              </a:rPr>
-              <a:t>최수환</a:t>
-            </a:r>
-            <a:endParaRPr lang="en-US" dirty="0">
-              <a:effectLst>
-                <a:outerShdw blurRad="60007" dist="310007" dir="7680000" sy="30000" kx="1300200" algn="ctr" rotWithShape="0">
-                  <a:prstClr val="black">
-                    <a:alpha val="32000"/>
-                  </a:prstClr>
-                </a:outerShdw>
-              </a:effectLst>
-            </a:endParaRPr>
-          </a:p>
-        </p:txBody>
-      </p:sp>
-      <p:sp>
-        <p:nvSpPr>
-          <p:cNvPr id="16" name="TextBox 15">
-            <a:extLst>
-              <a:ext uri="{FF2B5EF4-FFF2-40B4-BE49-F238E27FC236}">
-                <a16:creationId xmlns:a16="http://schemas.microsoft.com/office/drawing/2014/main" id="{C7A8B231-9BDF-44EC-AF4C-3B53F1C7E1DE}"/>
-              </a:ext>
-            </a:extLst>
-          </p:cNvPr>
-          <p:cNvSpPr txBox="1"/>
-          <p:nvPr/>
-        </p:nvSpPr>
-        <p:spPr>
-          <a:xfrm>
-            <a:off x="8629886" y="1983594"/>
-            <a:ext cx="877163" cy="369332"/>
-          </a:xfrm>
-          <a:prstGeom prst="rect">
-            <a:avLst/>
-          </a:prstGeom>
-          <a:noFill/>
-          <a:effectLst>
-            <a:outerShdw blurRad="76200" dir="13500000" sy="23000" kx="1200000" algn="br" rotWithShape="0">
-              <a:prstClr val="black">
-                <a:alpha val="20000"/>
-              </a:prstClr>
-            </a:outerShdw>
-          </a:effectLst>
-          <a:scene3d>
-            <a:camera prst="isometricOffAxis1Right"/>
-            <a:lightRig rig="threePt" dir="t"/>
-          </a:scene3d>
-        </p:spPr>
-        <p:txBody>
-          <a:bodyPr wrap="none" rtlCol="0">
-            <a:spAutoFit/>
-          </a:bodyPr>
-          <a:lstStyle/>
-          <a:p>
-            <a:r>
-              <a:rPr lang="ko-KR" altLang="en-US" dirty="0" err="1">
-                <a:effectLst>
-                  <a:outerShdw blurRad="60007" dist="310007" dir="7680000" sy="30000" kx="1300200" algn="ctr" rotWithShape="0">
-                    <a:prstClr val="black">
-                      <a:alpha val="32000"/>
-                    </a:prstClr>
-                  </a:outerShdw>
-                </a:effectLst>
-              </a:rPr>
-              <a:t>주종원</a:t>
-            </a:r>
-            <a:endParaRPr lang="en-US" dirty="0">
-              <a:effectLst>
-                <a:outerShdw blurRad="60007" dist="310007" dir="7680000" sy="30000" kx="1300200" algn="ctr" rotWithShape="0">
-                  <a:prstClr val="black">
-                    <a:alpha val="32000"/>
-                  </a:prstClr>
-                </a:outerShdw>
-              </a:effectLst>
-            </a:endParaRPr>
-          </a:p>
-        </p:txBody>
-      </p:sp>
-      <p:sp>
-        <p:nvSpPr>
-          <p:cNvPr id="17" name="TextBox 16">
-            <a:extLst>
-              <a:ext uri="{FF2B5EF4-FFF2-40B4-BE49-F238E27FC236}">
-                <a16:creationId xmlns:a16="http://schemas.microsoft.com/office/drawing/2014/main" id="{FEAF5074-4465-42A4-9A33-9DBA949E2B51}"/>
-              </a:ext>
-            </a:extLst>
-          </p:cNvPr>
-          <p:cNvSpPr txBox="1"/>
-          <p:nvPr/>
-        </p:nvSpPr>
-        <p:spPr>
-          <a:xfrm>
-            <a:off x="8391957" y="4253350"/>
-            <a:ext cx="877163" cy="369332"/>
-          </a:xfrm>
-          <a:prstGeom prst="rect">
-            <a:avLst/>
-          </a:prstGeom>
-          <a:noFill/>
-          <a:effectLst>
-            <a:outerShdw blurRad="76200" dir="13500000" sy="23000" kx="1200000" algn="br" rotWithShape="0">
-              <a:prstClr val="black">
-                <a:alpha val="20000"/>
-              </a:prstClr>
-            </a:outerShdw>
-          </a:effectLst>
-          <a:scene3d>
-            <a:camera prst="isometricOffAxis1Right"/>
-            <a:lightRig rig="threePt" dir="t"/>
-          </a:scene3d>
-        </p:spPr>
-        <p:txBody>
-          <a:bodyPr wrap="none" rtlCol="0">
-            <a:spAutoFit/>
-          </a:bodyPr>
-          <a:lstStyle/>
-          <a:p>
-            <a:r>
-              <a:rPr lang="ko-KR" altLang="en-US" dirty="0" err="1">
-                <a:effectLst>
-                  <a:outerShdw blurRad="60007" dist="310007" dir="7680000" sy="30000" kx="1300200" algn="ctr" rotWithShape="0">
-                    <a:prstClr val="black">
-                      <a:alpha val="32000"/>
-                    </a:prstClr>
-                  </a:outerShdw>
-                </a:effectLst>
-              </a:rPr>
-              <a:t>민문기</a:t>
-            </a:r>
-            <a:endParaRPr lang="en-US" dirty="0">
-              <a:effectLst>
-                <a:outerShdw blurRad="60007" dist="310007" dir="7680000" sy="30000" kx="1300200" algn="ctr" rotWithShape="0">
-                  <a:prstClr val="black">
-                    <a:alpha val="32000"/>
-                  </a:prstClr>
-                </a:outerShdw>
-              </a:effectLst>
-            </a:endParaRPr>
-          </a:p>
-        </p:txBody>
-      </p:sp>
-      <p:sp>
-        <p:nvSpPr>
-          <p:cNvPr id="18" name="TextBox 17">
-            <a:extLst>
-              <a:ext uri="{FF2B5EF4-FFF2-40B4-BE49-F238E27FC236}">
-                <a16:creationId xmlns:a16="http://schemas.microsoft.com/office/drawing/2014/main" id="{45E2F6BC-AFD8-491A-96A7-A16FAF89B472}"/>
-              </a:ext>
-            </a:extLst>
-          </p:cNvPr>
-          <p:cNvSpPr txBox="1"/>
-          <p:nvPr/>
-        </p:nvSpPr>
-        <p:spPr>
-          <a:xfrm>
-            <a:off x="5366613" y="4663749"/>
-            <a:ext cx="877163" cy="369332"/>
-          </a:xfrm>
-          <a:prstGeom prst="rect">
-            <a:avLst/>
-          </a:prstGeom>
-          <a:noFill/>
-          <a:effectLst>
-            <a:outerShdw blurRad="76200" dir="13500000" sy="23000" kx="1200000" algn="br" rotWithShape="0">
-              <a:prstClr val="black">
-                <a:alpha val="20000"/>
-              </a:prstClr>
-            </a:outerShdw>
-          </a:effectLst>
-          <a:scene3d>
-            <a:camera prst="isometricOffAxis1Right"/>
-            <a:lightRig rig="threePt" dir="t"/>
-          </a:scene3d>
-        </p:spPr>
-        <p:txBody>
-          <a:bodyPr wrap="none" rtlCol="0">
-            <a:spAutoFit/>
-          </a:bodyPr>
-          <a:lstStyle/>
-          <a:p>
-            <a:r>
-              <a:rPr lang="ko-KR" altLang="en-US" dirty="0" err="1">
-                <a:effectLst>
-                  <a:outerShdw blurRad="60007" dist="310007" dir="7680000" sy="30000" kx="1300200" algn="ctr" rotWithShape="0">
-                    <a:prstClr val="black">
-                      <a:alpha val="32000"/>
-                    </a:prstClr>
-                  </a:outerShdw>
-                </a:effectLst>
-              </a:rPr>
-              <a:t>조승준</a:t>
-            </a:r>
-            <a:endParaRPr lang="en-US" dirty="0">
-              <a:effectLst>
-                <a:outerShdw blurRad="60007" dist="310007" dir="7680000" sy="30000" kx="1300200" algn="ctr" rotWithShape="0">
-                  <a:prstClr val="black">
-                    <a:alpha val="32000"/>
-                  </a:prstClr>
-                </a:outerShdw>
-              </a:effectLst>
-            </a:endParaRPr>
-          </a:p>
-        </p:txBody>
-      </p:sp>
-      <p:sp>
-        <p:nvSpPr>
-          <p:cNvPr id="19" name="TextBox 18">
-            <a:extLst>
-              <a:ext uri="{FF2B5EF4-FFF2-40B4-BE49-F238E27FC236}">
-                <a16:creationId xmlns:a16="http://schemas.microsoft.com/office/drawing/2014/main" id="{2B00976E-00BA-4DD3-AC82-8021F584D3FE}"/>
-              </a:ext>
-            </a:extLst>
-          </p:cNvPr>
-          <p:cNvSpPr txBox="1"/>
-          <p:nvPr/>
-        </p:nvSpPr>
-        <p:spPr>
-          <a:xfrm>
-            <a:off x="3692745" y="2875280"/>
-            <a:ext cx="877163" cy="369332"/>
-          </a:xfrm>
-          <a:prstGeom prst="rect">
-            <a:avLst/>
-          </a:prstGeom>
-          <a:noFill/>
-          <a:effectLst>
-            <a:outerShdw blurRad="76200" dir="13500000" sy="23000" kx="1200000" algn="br" rotWithShape="0">
-              <a:prstClr val="black">
-                <a:alpha val="20000"/>
-              </a:prstClr>
-            </a:outerShdw>
-          </a:effectLst>
-          <a:scene3d>
-            <a:camera prst="isometricOffAxis1Right"/>
-            <a:lightRig rig="threePt" dir="t"/>
-          </a:scene3d>
-        </p:spPr>
-        <p:txBody>
-          <a:bodyPr wrap="none" rtlCol="0">
-            <a:spAutoFit/>
-          </a:bodyPr>
-          <a:lstStyle/>
-          <a:p>
-            <a:r>
-              <a:rPr lang="ko-KR" altLang="en-US" dirty="0" err="1">
-                <a:effectLst>
-                  <a:outerShdw blurRad="60007" dist="310007" dir="7680000" sy="30000" kx="1300200" algn="ctr" rotWithShape="0">
-                    <a:prstClr val="black">
-                      <a:alpha val="32000"/>
-                    </a:prstClr>
-                  </a:outerShdw>
-                </a:effectLst>
-              </a:rPr>
-              <a:t>노하늘</a:t>
-            </a:r>
-            <a:endParaRPr lang="en-US" dirty="0">
-              <a:effectLst>
-                <a:outerShdw blurRad="60007" dist="310007" dir="7680000" sy="30000" kx="1300200" algn="ctr" rotWithShape="0">
-                  <a:prstClr val="black">
-                    <a:alpha val="32000"/>
-                  </a:prstClr>
-                </a:outerShdw>
-              </a:effectLst>
-            </a:endParaRPr>
-          </a:p>
-        </p:txBody>
-      </p:sp>
-    </p:spTree>
-    <p:extLst>
-      <p:ext uri="{BB962C8B-B14F-4D97-AF65-F5344CB8AC3E}">
-        <p14:creationId xmlns:p14="http://schemas.microsoft.com/office/powerpoint/2010/main" val="2960524204"/>
-      </p:ext>
-    </p:extLst>
-  </p:cSld>
-  <p:clrMapOvr>
-    <a:masterClrMapping/>
-  </p:clrMapOvr>
-</p:sld>
-</file>
-
 <file path=ppt/slides/slide2.xml><?xml version="1.0" encoding="utf-8"?>
 <p:sld xmlns:a="http://schemas.openxmlformats.org/drawingml/2006/main" xmlns:r="http://schemas.openxmlformats.org/officeDocument/2006/relationships" xmlns:p="http://schemas.openxmlformats.org/presentationml/2006/main">
   <p:cSld>
@@ -5521,130 +4907,16 @@
           <a:chExt cx="0" cy="0"/>
         </a:xfrm>
       </p:grpSpPr>
-      <p:pic>
-        <p:nvPicPr>
-          <p:cNvPr id="14" name="Picture 13">
-            <a:extLst>
-              <a:ext uri="{FF2B5EF4-FFF2-40B4-BE49-F238E27FC236}">
-                <a16:creationId xmlns:a16="http://schemas.microsoft.com/office/drawing/2014/main" id="{6068B0C3-B3D2-4DC9-8FB4-EADD594BD3B2}"/>
-              </a:ext>
-            </a:extLst>
-          </p:cNvPr>
-          <p:cNvPicPr>
-            <a:picLocks noChangeAspect="1"/>
-          </p:cNvPicPr>
-          <p:nvPr/>
-        </p:nvPicPr>
-        <p:blipFill>
-          <a:blip r:embed="rId2">
-            <a:extLst>
-              <a:ext uri="{BEBA8EAE-BF5A-486C-A8C5-ECC9F3942E4B}">
-                <a14:imgProps xmlns:a14="http://schemas.microsoft.com/office/drawing/2010/main">
-                  <a14:imgLayer r:embed="rId3">
-                    <a14:imgEffect>
-                      <a14:backgroundRemoval t="0" b="100000" l="0" r="100000">
-                        <a14:foregroundMark x1="48109" y1="7890" x2="73979" y2="7706"/>
-                        <a14:foregroundMark x1="39939" y1="46606" x2="12859" y2="66789"/>
-                        <a14:foregroundMark x1="14977" y1="82018" x2="9682" y2="94862"/>
-                        <a14:foregroundMark x1="50530" y1="66972" x2="60514" y2="79817"/>
-                        <a14:foregroundMark x1="64599" y1="84404" x2="85174" y2="99817"/>
-                        <a14:backgroundMark x1="45991" y1="75229" x2="46445" y2="81101"/>
-                        <a14:backgroundMark x1="47050" y1="71376" x2="48563" y2="73761"/>
-                        <a14:backgroundMark x1="47958" y1="83119" x2="48411" y2="86239"/>
-                        <a14:backgroundMark x1="47504" y1="78165" x2="49319" y2="81468"/>
-                      </a14:backgroundRemoval>
-                    </a14:imgEffect>
-                  </a14:imgLayer>
-                </a14:imgProps>
-              </a:ext>
-            </a:extLst>
-          </a:blip>
-          <a:stretch>
-            <a:fillRect/>
-          </a:stretch>
-        </p:blipFill>
-        <p:spPr>
-          <a:xfrm>
-            <a:off x="1731543" y="2532457"/>
-            <a:ext cx="8348667" cy="6883545"/>
-          </a:xfrm>
-          <a:prstGeom prst="rect">
-            <a:avLst/>
-          </a:prstGeom>
-        </p:spPr>
-      </p:pic>
-      <p:pic>
-        <p:nvPicPr>
-          <p:cNvPr id="13" name="Picture 12">
-            <a:extLst>
-              <a:ext uri="{FF2B5EF4-FFF2-40B4-BE49-F238E27FC236}">
-                <a16:creationId xmlns:a16="http://schemas.microsoft.com/office/drawing/2014/main" id="{D6D46D85-F82E-4624-8C0E-9152ECE17986}"/>
-              </a:ext>
-            </a:extLst>
-          </p:cNvPr>
-          <p:cNvPicPr>
-            <a:picLocks noChangeAspect="1"/>
-          </p:cNvPicPr>
-          <p:nvPr/>
-        </p:nvPicPr>
-        <p:blipFill rotWithShape="1">
-          <a:blip r:embed="rId4">
-            <a:extLst>
-              <a:ext uri="{BEBA8EAE-BF5A-486C-A8C5-ECC9F3942E4B}">
-                <a14:imgProps xmlns:a14="http://schemas.microsoft.com/office/drawing/2010/main">
-                  <a14:imgLayer r:embed="rId5">
-                    <a14:imgEffect>
-                      <a14:backgroundRemoval t="68257" b="100000" l="36157" r="57186">
-                        <a14:foregroundMark x1="40998" y1="88624" x2="47806" y2="98899"/>
-                        <a14:foregroundMark x1="40393" y1="86239" x2="49168" y2="91560"/>
-                        <a14:foregroundMark x1="50076" y1="97982" x2="48563" y2="81651"/>
-                        <a14:foregroundMark x1="50076" y1="91376" x2="50227" y2="74679"/>
-                        <a14:foregroundMark x1="47806" y1="98716" x2="40847" y2="98716"/>
-                        <a14:foregroundMark x1="39486" y1="98899" x2="39334" y2="75046"/>
-                        <a14:foregroundMark x1="38729" y1="99266" x2="38880" y2="75596"/>
-                        <a14:backgroundMark x1="49773" y1="71193" x2="52194" y2="74128"/>
-                        <a14:backgroundMark x1="47958" y1="69908" x2="52194" y2="74679"/>
-                        <a14:backgroundMark x1="41301" y1="70459" x2="38578" y2="72477"/>
-                        <a14:backgroundMark x1="39788" y1="70459" x2="38124" y2="71560"/>
-                      </a14:backgroundRemoval>
-                    </a14:imgEffect>
-                  </a14:imgLayer>
-                </a14:imgProps>
-              </a:ext>
-              <a:ext uri="{28A0092B-C50C-407E-A947-70E740481C1C}">
-                <a14:useLocalDpi xmlns:a14="http://schemas.microsoft.com/office/drawing/2010/main" val="0"/>
-              </a:ext>
-            </a:extLst>
-          </a:blip>
-          <a:srcRect l="38317" t="70627" r="49274"/>
-          <a:stretch/>
-        </p:blipFill>
-        <p:spPr>
-          <a:xfrm>
-            <a:off x="4873780" y="7401605"/>
-            <a:ext cx="1032096" cy="2014397"/>
-          </a:xfrm>
-          <a:prstGeom prst="rect">
-            <a:avLst/>
-          </a:prstGeom>
-        </p:spPr>
-      </p:pic>
-      <p:sp>
-        <p:nvSpPr>
-          <p:cNvPr id="4" name="TextBox 3">
-            <a:extLst>
-              <a:ext uri="{FF2B5EF4-FFF2-40B4-BE49-F238E27FC236}">
-                <a16:creationId xmlns:a16="http://schemas.microsoft.com/office/drawing/2014/main" id="{8D4843E1-2BC3-46AC-AEF6-F9224A778CF7}"/>
-              </a:ext>
-            </a:extLst>
-          </p:cNvPr>
+      <p:sp>
+        <p:nvSpPr>
+          <p:cNvPr id="2" name="TextBox 1"/>
           <p:cNvSpPr txBox="1"/>
           <p:nvPr/>
         </p:nvSpPr>
         <p:spPr>
           <a:xfrm>
-            <a:off x="4031805" y="5172847"/>
-            <a:ext cx="3748142" cy="1569660"/>
+            <a:off x="2971800" y="1433146"/>
+            <a:ext cx="4089581" cy="369332"/>
           </a:xfrm>
           <a:prstGeom prst="rect">
             <a:avLst/>
@@ -5658,237 +4930,31 @@
           <a:lstStyle/>
           <a:p>
             <a:r>
-              <a:rPr lang="en-US" sz="9600" dirty="0" err="1">
-                <a:latin typeface="나눔손글씨 붓" panose="03060600000000000000" pitchFamily="66" charset="-127"/>
-                <a:ea typeface="나눔손글씨 붓" panose="03060600000000000000" pitchFamily="66" charset="-127"/>
-              </a:rPr>
-              <a:t>E’motion</a:t>
-            </a:r>
-            <a:endParaRPr lang="en-US" sz="9600" dirty="0">
-              <a:latin typeface="나눔손글씨 붓" panose="03060600000000000000" pitchFamily="66" charset="-127"/>
-              <a:ea typeface="나눔손글씨 붓" panose="03060600000000000000" pitchFamily="66" charset="-127"/>
-            </a:endParaRPr>
-          </a:p>
-        </p:txBody>
-      </p:sp>
-      <p:sp>
-        <p:nvSpPr>
-          <p:cNvPr id="16" name="Rectangle 15">
-            <a:extLst>
-              <a:ext uri="{FF2B5EF4-FFF2-40B4-BE49-F238E27FC236}">
-                <a16:creationId xmlns:a16="http://schemas.microsoft.com/office/drawing/2014/main" id="{A1710740-FBCA-49B0-84FA-0AA89D4B73D9}"/>
-              </a:ext>
-            </a:extLst>
-          </p:cNvPr>
-          <p:cNvSpPr/>
-          <p:nvPr/>
-        </p:nvSpPr>
-        <p:spPr>
-          <a:xfrm>
-            <a:off x="0" y="0"/>
-            <a:ext cx="12192000" cy="6858000"/>
-          </a:xfrm>
-          <a:prstGeom prst="rect">
-            <a:avLst/>
-          </a:prstGeom>
-          <a:solidFill>
-            <a:schemeClr val="tx1"/>
-          </a:solidFill>
-          <a:ln>
-            <a:noFill/>
-          </a:ln>
-        </p:spPr>
-        <p:style>
-          <a:lnRef idx="2">
-            <a:schemeClr val="accent1">
-              <a:shade val="50000"/>
-            </a:schemeClr>
-          </a:lnRef>
-          <a:fillRef idx="1">
-            <a:schemeClr val="accent1"/>
-          </a:fillRef>
-          <a:effectRef idx="0">
-            <a:schemeClr val="accent1"/>
-          </a:effectRef>
-          <a:fontRef idx="minor">
-            <a:schemeClr val="lt1"/>
-          </a:fontRef>
-        </p:style>
-        <p:txBody>
-          <a:bodyPr rtlCol="0" anchor="ctr"/>
-          <a:lstStyle/>
-          <a:p>
-            <a:pPr algn="ctr"/>
-            <a:endParaRPr lang="en-US"/>
+              <a:rPr lang="ko-KR" altLang="en-US" dirty="0" smtClean="0"/>
+              <a:t>시작은 </a:t>
+            </a:r>
+            <a:r>
+              <a:rPr lang="ko-KR" altLang="en-US" dirty="0" err="1" smtClean="0"/>
+              <a:t>저니의</a:t>
+            </a:r>
+            <a:r>
+              <a:rPr lang="ko-KR" altLang="en-US" dirty="0" smtClean="0"/>
+              <a:t> 소개페이지를 모티브로</a:t>
+            </a:r>
+            <a:endParaRPr lang="ko-KR" altLang="en-US" dirty="0"/>
           </a:p>
         </p:txBody>
       </p:sp>
     </p:spTree>
     <p:extLst>
       <p:ext uri="{BB962C8B-B14F-4D97-AF65-F5344CB8AC3E}">
-        <p14:creationId xmlns:p14="http://schemas.microsoft.com/office/powerpoint/2010/main" val="1699341622"/>
+        <p14:creationId xmlns:p14="http://schemas.microsoft.com/office/powerpoint/2010/main" val="2427952026"/>
       </p:ext>
     </p:extLst>
   </p:cSld>
   <p:clrMapOvr>
     <a:masterClrMapping/>
   </p:clrMapOvr>
-  <p:timing>
-    <p:tnLst>
-      <p:par>
-        <p:cTn id="1" dur="indefinite" restart="never" nodeType="tmRoot">
-          <p:childTnLst>
-            <p:seq concurrent="1" nextAc="seek">
-              <p:cTn id="2" dur="indefinite" nodeType="mainSeq">
-                <p:childTnLst>
-                  <p:par>
-                    <p:cTn id="3" fill="hold">
-                      <p:stCondLst>
-                        <p:cond delay="indefinite"/>
-                        <p:cond evt="onBegin" delay="0">
-                          <p:tn val="2"/>
-                        </p:cond>
-                      </p:stCondLst>
-                      <p:childTnLst>
-                        <p:par>
-                          <p:cTn id="4" fill="hold">
-                            <p:stCondLst>
-                              <p:cond delay="0"/>
-                            </p:stCondLst>
-                            <p:childTnLst>
-                              <p:par>
-                                <p:cTn id="5" presetID="10" presetClass="exit" presetSubtype="0" fill="hold" grpId="0" nodeType="withEffect">
-                                  <p:stCondLst>
-                                    <p:cond delay="0"/>
-                                  </p:stCondLst>
-                                  <p:childTnLst>
-                                    <p:animEffect transition="out" filter="fade">
-                                      <p:cBhvr>
-                                        <p:cTn id="6" dur="1100"/>
-                                        <p:tgtEl>
-                                          <p:spTgt spid="16"/>
-                                        </p:tgtEl>
-                                      </p:cBhvr>
-                                    </p:animEffect>
-                                    <p:set>
-                                      <p:cBhvr>
-                                        <p:cTn id="7" dur="1" fill="hold">
-                                          <p:stCondLst>
-                                            <p:cond delay="1099"/>
-                                          </p:stCondLst>
-                                        </p:cTn>
-                                        <p:tgtEl>
-                                          <p:spTgt spid="16"/>
-                                        </p:tgtEl>
-                                        <p:attrNameLst>
-                                          <p:attrName>style.visibility</p:attrName>
-                                        </p:attrNameLst>
-                                      </p:cBhvr>
-                                      <p:to>
-                                        <p:strVal val="hidden"/>
-                                      </p:to>
-                                    </p:set>
-                                  </p:childTnLst>
-                                </p:cTn>
-                              </p:par>
-                              <p:par>
-                                <p:cTn id="8" presetID="42" presetClass="path" presetSubtype="0" decel="50000" fill="hold" nodeType="withEffect">
-                                  <p:stCondLst>
-                                    <p:cond delay="0"/>
-                                  </p:stCondLst>
-                                  <p:childTnLst>
-                                    <p:animMotion origin="layout" path="M 5E-6 -4.81481E-6 L 5E-6 -0.37106 " pathEditMode="relative" rAng="0" ptsTypes="AA">
-                                      <p:cBhvr>
-                                        <p:cTn id="9" dur="3300" fill="hold"/>
-                                        <p:tgtEl>
-                                          <p:spTgt spid="14"/>
-                                        </p:tgtEl>
-                                        <p:attrNameLst>
-                                          <p:attrName>ppt_x</p:attrName>
-                                          <p:attrName>ppt_y</p:attrName>
-                                        </p:attrNameLst>
-                                      </p:cBhvr>
-                                      <p:rCtr x="0" y="-18565"/>
-                                    </p:animMotion>
-                                  </p:childTnLst>
-                                </p:cTn>
-                              </p:par>
-                              <p:par>
-                                <p:cTn id="10" presetID="42" presetClass="path" presetSubtype="0" decel="50000" fill="hold" grpId="0" nodeType="withEffect">
-                                  <p:stCondLst>
-                                    <p:cond delay="0"/>
-                                  </p:stCondLst>
-                                  <p:childTnLst>
-                                    <p:animMotion origin="layout" path="M 5E-6 1.48148E-6 L 5E-6 -0.36852 " pathEditMode="relative" rAng="0" ptsTypes="AA">
-                                      <p:cBhvr>
-                                        <p:cTn id="11" dur="3300" fill="hold"/>
-                                        <p:tgtEl>
-                                          <p:spTgt spid="4"/>
-                                        </p:tgtEl>
-                                        <p:attrNameLst>
-                                          <p:attrName>ppt_x</p:attrName>
-                                          <p:attrName>ppt_y</p:attrName>
-                                        </p:attrNameLst>
-                                      </p:cBhvr>
-                                      <p:rCtr x="0" y="-18426"/>
-                                    </p:animMotion>
-                                  </p:childTnLst>
-                                </p:cTn>
-                              </p:par>
-                              <p:par>
-                                <p:cTn id="12" presetID="42" presetClass="path" presetSubtype="0" decel="50000" fill="hold" nodeType="withEffect">
-                                  <p:stCondLst>
-                                    <p:cond delay="1700"/>
-                                  </p:stCondLst>
-                                  <p:childTnLst>
-                                    <p:animMotion origin="layout" path="M 2.70833E-6 4.07407E-6 L 2.70833E-6 -0.37315 " pathEditMode="relative" rAng="0" ptsTypes="AA">
-                                      <p:cBhvr>
-                                        <p:cTn id="13" dur="1600" fill="hold"/>
-                                        <p:tgtEl>
-                                          <p:spTgt spid="13"/>
-                                        </p:tgtEl>
-                                        <p:attrNameLst>
-                                          <p:attrName>ppt_x</p:attrName>
-                                          <p:attrName>ppt_y</p:attrName>
-                                        </p:attrNameLst>
-                                      </p:cBhvr>
-                                      <p:rCtr x="0" y="-18657"/>
-                                    </p:animMotion>
-                                  </p:childTnLst>
-                                </p:cTn>
-                              </p:par>
-                            </p:childTnLst>
-                          </p:cTn>
-                        </p:par>
-                      </p:childTnLst>
-                    </p:cTn>
-                  </p:par>
-                </p:childTnLst>
-              </p:cTn>
-              <p:prevCondLst>
-                <p:cond evt="onPrev" delay="0">
-                  <p:tgtEl>
-                    <p:sldTgt/>
-                  </p:tgtEl>
-                </p:cond>
-              </p:prevCondLst>
-              <p:nextCondLst>
-                <p:cond evt="onNext" delay="0">
-                  <p:tgtEl>
-                    <p:sldTgt/>
-                  </p:tgtEl>
-                </p:cond>
-              </p:nextCondLst>
-            </p:seq>
-          </p:childTnLst>
-        </p:cTn>
-      </p:par>
-    </p:tnLst>
-    <p:bldLst>
-      <p:bldP spid="4" grpId="0"/>
-      <p:bldP spid="16" grpId="0" animBg="1"/>
-    </p:bldLst>
-  </p:timing>
 </p:sld>
 </file>
 
@@ -5911,10 +4977,360 @@
       </p:grpSpPr>
       <p:sp>
         <p:nvSpPr>
-          <p:cNvPr id="3" name="TextBox 2">
+          <p:cNvPr id="3" name="Oval 2">
             <a:extLst>
               <a:ext uri="{FF2B5EF4-FFF2-40B4-BE49-F238E27FC236}">
-                <a16:creationId xmlns:a16="http://schemas.microsoft.com/office/drawing/2014/main" id="{DD59EED9-EA1A-4C6E-B5E4-ED72FA07F603}"/>
+                <a16:creationId xmlns:a16="http://schemas.microsoft.com/office/drawing/2014/main" id="{F021E353-3CAA-4F2F-A33A-9AA458A0360E}"/>
+              </a:ext>
+            </a:extLst>
+          </p:cNvPr>
+          <p:cNvSpPr/>
+          <p:nvPr/>
+        </p:nvSpPr>
+        <p:spPr>
+          <a:xfrm>
+            <a:off x="2647648" y="2489702"/>
+            <a:ext cx="1012217" cy="1012217"/>
+          </a:xfrm>
+          <a:prstGeom prst="ellipse">
+            <a:avLst/>
+          </a:prstGeom>
+          <a:effectLst>
+            <a:outerShdw blurRad="76200" dir="13500000" sy="23000" kx="1200000" algn="br" rotWithShape="0">
+              <a:prstClr val="black">
+                <a:alpha val="20000"/>
+              </a:prstClr>
+            </a:outerShdw>
+          </a:effectLst>
+          <a:scene3d>
+            <a:camera prst="isometricOffAxis1Right"/>
+            <a:lightRig rig="threePt" dir="t"/>
+          </a:scene3d>
+        </p:spPr>
+        <p:style>
+          <a:lnRef idx="2">
+            <a:schemeClr val="accent2">
+              <a:shade val="50000"/>
+            </a:schemeClr>
+          </a:lnRef>
+          <a:fillRef idx="1">
+            <a:schemeClr val="accent2"/>
+          </a:fillRef>
+          <a:effectRef idx="0">
+            <a:schemeClr val="accent2"/>
+          </a:effectRef>
+          <a:fontRef idx="minor">
+            <a:schemeClr val="lt1"/>
+          </a:fontRef>
+        </p:style>
+        <p:txBody>
+          <a:bodyPr rot="0" spcFirstLastPara="0" vertOverflow="overflow" horzOverflow="overflow" vert="horz" wrap="square" lIns="91440" tIns="45720" rIns="91440" bIns="45720" numCol="1" spcCol="0" rtlCol="0" fromWordArt="0" anchor="ctr" anchorCtr="0" forceAA="0" compatLnSpc="1">
+            <a:prstTxWarp prst="textNoShape">
+              <a:avLst/>
+            </a:prstTxWarp>
+            <a:noAutofit/>
+          </a:bodyPr>
+          <a:lstStyle/>
+          <a:p>
+            <a:pPr algn="ctr"/>
+            <a:endParaRPr lang="en-US">
+              <a:effectLst>
+                <a:outerShdw blurRad="60007" dist="310007" dir="7680000" sy="30000" kx="1300200" algn="ctr" rotWithShape="0">
+                  <a:prstClr val="black">
+                    <a:alpha val="32000"/>
+                  </a:prstClr>
+                </a:outerShdw>
+              </a:effectLst>
+            </a:endParaRPr>
+          </a:p>
+        </p:txBody>
+      </p:sp>
+      <p:sp>
+        <p:nvSpPr>
+          <p:cNvPr id="4" name="Oval 3">
+            <a:extLst>
+              <a:ext uri="{FF2B5EF4-FFF2-40B4-BE49-F238E27FC236}">
+                <a16:creationId xmlns:a16="http://schemas.microsoft.com/office/drawing/2014/main" id="{34E0EE0C-9E88-4A1B-9C06-98E28D8DF011}"/>
+              </a:ext>
+            </a:extLst>
+          </p:cNvPr>
+          <p:cNvSpPr/>
+          <p:nvPr/>
+        </p:nvSpPr>
+        <p:spPr>
+          <a:xfrm>
+            <a:off x="5214105" y="1952709"/>
+            <a:ext cx="1012217" cy="1012217"/>
+          </a:xfrm>
+          <a:prstGeom prst="ellipse">
+            <a:avLst/>
+          </a:prstGeom>
+          <a:effectLst>
+            <a:outerShdw blurRad="76200" dir="13500000" sy="23000" kx="1200000" algn="br" rotWithShape="0">
+              <a:prstClr val="black">
+                <a:alpha val="20000"/>
+              </a:prstClr>
+            </a:outerShdw>
+          </a:effectLst>
+          <a:scene3d>
+            <a:camera prst="isometricOffAxis1Right"/>
+            <a:lightRig rig="threePt" dir="t"/>
+          </a:scene3d>
+        </p:spPr>
+        <p:style>
+          <a:lnRef idx="2">
+            <a:schemeClr val="accent5">
+              <a:shade val="50000"/>
+            </a:schemeClr>
+          </a:lnRef>
+          <a:fillRef idx="1">
+            <a:schemeClr val="accent5"/>
+          </a:fillRef>
+          <a:effectRef idx="0">
+            <a:schemeClr val="accent5"/>
+          </a:effectRef>
+          <a:fontRef idx="minor">
+            <a:schemeClr val="lt1"/>
+          </a:fontRef>
+        </p:style>
+        <p:txBody>
+          <a:bodyPr rot="0" spcFirstLastPara="0" vertOverflow="overflow" horzOverflow="overflow" vert="horz" wrap="square" lIns="91440" tIns="45720" rIns="91440" bIns="45720" numCol="1" spcCol="0" rtlCol="0" fromWordArt="0" anchor="ctr" anchorCtr="0" forceAA="0" compatLnSpc="1">
+            <a:prstTxWarp prst="textNoShape">
+              <a:avLst/>
+            </a:prstTxWarp>
+            <a:noAutofit/>
+          </a:bodyPr>
+          <a:lstStyle/>
+          <a:p>
+            <a:pPr algn="ctr"/>
+            <a:endParaRPr lang="en-US">
+              <a:effectLst>
+                <a:outerShdw blurRad="60007" dist="310007" dir="7680000" sy="30000" kx="1300200" algn="ctr" rotWithShape="0">
+                  <a:prstClr val="black">
+                    <a:alpha val="32000"/>
+                  </a:prstClr>
+                </a:outerShdw>
+              </a:effectLst>
+            </a:endParaRPr>
+          </a:p>
+        </p:txBody>
+      </p:sp>
+      <p:sp>
+        <p:nvSpPr>
+          <p:cNvPr id="5" name="Oval 4">
+            <a:extLst>
+              <a:ext uri="{FF2B5EF4-FFF2-40B4-BE49-F238E27FC236}">
+                <a16:creationId xmlns:a16="http://schemas.microsoft.com/office/drawing/2014/main" id="{DDCFE255-05DD-41A2-8416-BB857AD3CDDA}"/>
+              </a:ext>
+            </a:extLst>
+          </p:cNvPr>
+          <p:cNvSpPr/>
+          <p:nvPr/>
+        </p:nvSpPr>
+        <p:spPr>
+          <a:xfrm>
+            <a:off x="4354396" y="4253350"/>
+            <a:ext cx="1012217" cy="1012217"/>
+          </a:xfrm>
+          <a:prstGeom prst="ellipse">
+            <a:avLst/>
+          </a:prstGeom>
+          <a:effectLst>
+            <a:outerShdw blurRad="76200" dir="13500000" sy="23000" kx="1200000" algn="br" rotWithShape="0">
+              <a:prstClr val="black">
+                <a:alpha val="20000"/>
+              </a:prstClr>
+            </a:outerShdw>
+          </a:effectLst>
+          <a:scene3d>
+            <a:camera prst="isometricOffAxis1Right"/>
+            <a:lightRig rig="threePt" dir="t"/>
+          </a:scene3d>
+        </p:spPr>
+        <p:style>
+          <a:lnRef idx="2">
+            <a:schemeClr val="accent4">
+              <a:shade val="50000"/>
+            </a:schemeClr>
+          </a:lnRef>
+          <a:fillRef idx="1">
+            <a:schemeClr val="accent4"/>
+          </a:fillRef>
+          <a:effectRef idx="0">
+            <a:schemeClr val="accent4"/>
+          </a:effectRef>
+          <a:fontRef idx="minor">
+            <a:schemeClr val="lt1"/>
+          </a:fontRef>
+        </p:style>
+        <p:txBody>
+          <a:bodyPr rot="0" spcFirstLastPara="0" vertOverflow="overflow" horzOverflow="overflow" vert="horz" wrap="square" lIns="91440" tIns="45720" rIns="91440" bIns="45720" numCol="1" spcCol="0" rtlCol="0" fromWordArt="0" anchor="ctr" anchorCtr="0" forceAA="0" compatLnSpc="1">
+            <a:prstTxWarp prst="textNoShape">
+              <a:avLst/>
+            </a:prstTxWarp>
+            <a:noAutofit/>
+          </a:bodyPr>
+          <a:lstStyle/>
+          <a:p>
+            <a:pPr algn="ctr"/>
+            <a:endParaRPr lang="en-US">
+              <a:effectLst>
+                <a:outerShdw blurRad="60007" dist="310007" dir="7680000" sy="30000" kx="1300200" algn="ctr" rotWithShape="0">
+                  <a:prstClr val="black">
+                    <a:alpha val="32000"/>
+                  </a:prstClr>
+                </a:outerShdw>
+              </a:effectLst>
+            </a:endParaRPr>
+          </a:p>
+        </p:txBody>
+      </p:sp>
+      <p:sp>
+        <p:nvSpPr>
+          <p:cNvPr id="6" name="Oval 5">
+            <a:extLst>
+              <a:ext uri="{FF2B5EF4-FFF2-40B4-BE49-F238E27FC236}">
+                <a16:creationId xmlns:a16="http://schemas.microsoft.com/office/drawing/2014/main" id="{ED31227F-8F6E-49B2-93A7-E26E1DE2CE35}"/>
+              </a:ext>
+            </a:extLst>
+          </p:cNvPr>
+          <p:cNvSpPr/>
+          <p:nvPr/>
+        </p:nvSpPr>
+        <p:spPr>
+          <a:xfrm>
+            <a:off x="7255993" y="3747241"/>
+            <a:ext cx="1012217" cy="1012217"/>
+          </a:xfrm>
+          <a:prstGeom prst="ellipse">
+            <a:avLst/>
+          </a:prstGeom>
+          <a:effectLst>
+            <a:outerShdw blurRad="76200" dir="13500000" sy="23000" kx="1200000" algn="br" rotWithShape="0">
+              <a:prstClr val="black">
+                <a:alpha val="20000"/>
+              </a:prstClr>
+            </a:outerShdw>
+          </a:effectLst>
+          <a:scene3d>
+            <a:camera prst="isometricOffAxis1Right"/>
+            <a:lightRig rig="threePt" dir="t"/>
+          </a:scene3d>
+        </p:spPr>
+        <p:style>
+          <a:lnRef idx="2">
+            <a:schemeClr val="accent3">
+              <a:shade val="50000"/>
+            </a:schemeClr>
+          </a:lnRef>
+          <a:fillRef idx="1">
+            <a:schemeClr val="accent3"/>
+          </a:fillRef>
+          <a:effectRef idx="0">
+            <a:schemeClr val="accent3"/>
+          </a:effectRef>
+          <a:fontRef idx="minor">
+            <a:schemeClr val="lt1"/>
+          </a:fontRef>
+        </p:style>
+        <p:txBody>
+          <a:bodyPr rot="0" spcFirstLastPara="0" vertOverflow="overflow" horzOverflow="overflow" vert="horz" wrap="square" lIns="91440" tIns="45720" rIns="91440" bIns="45720" numCol="1" spcCol="0" rtlCol="0" fromWordArt="0" anchor="ctr" anchorCtr="0" forceAA="0" compatLnSpc="1">
+            <a:prstTxWarp prst="textNoShape">
+              <a:avLst/>
+            </a:prstTxWarp>
+            <a:noAutofit/>
+          </a:bodyPr>
+          <a:lstStyle/>
+          <a:p>
+            <a:pPr algn="ctr"/>
+            <a:endParaRPr lang="en-US">
+              <a:effectLst>
+                <a:outerShdw blurRad="60007" dist="310007" dir="7680000" sy="30000" kx="1300200" algn="ctr" rotWithShape="0">
+                  <a:prstClr val="black">
+                    <a:alpha val="32000"/>
+                  </a:prstClr>
+                </a:outerShdw>
+              </a:effectLst>
+            </a:endParaRPr>
+          </a:p>
+        </p:txBody>
+      </p:sp>
+      <p:sp>
+        <p:nvSpPr>
+          <p:cNvPr id="7" name="Oval 6">
+            <a:extLst>
+              <a:ext uri="{FF2B5EF4-FFF2-40B4-BE49-F238E27FC236}">
+                <a16:creationId xmlns:a16="http://schemas.microsoft.com/office/drawing/2014/main" id="{639CA5E0-E5F5-4CD7-9C70-B0D33B217C5E}"/>
+              </a:ext>
+            </a:extLst>
+          </p:cNvPr>
+          <p:cNvSpPr/>
+          <p:nvPr/>
+        </p:nvSpPr>
+        <p:spPr>
+          <a:xfrm>
+            <a:off x="7609593" y="1477485"/>
+            <a:ext cx="1012217" cy="1012217"/>
+          </a:xfrm>
+          <a:prstGeom prst="ellipse">
+            <a:avLst/>
+          </a:prstGeom>
+          <a:effectLst>
+            <a:outerShdw blurRad="76200" dir="13500000" sy="23000" kx="1200000" algn="br" rotWithShape="0">
+              <a:prstClr val="black">
+                <a:alpha val="20000"/>
+              </a:prstClr>
+            </a:outerShdw>
+          </a:effectLst>
+          <a:scene3d>
+            <a:camera prst="isometricOffAxis1Right"/>
+            <a:lightRig rig="threePt" dir="t"/>
+          </a:scene3d>
+        </p:spPr>
+        <p:style>
+          <a:lnRef idx="2">
+            <a:schemeClr val="accent6">
+              <a:shade val="50000"/>
+            </a:schemeClr>
+          </a:lnRef>
+          <a:fillRef idx="1">
+            <a:schemeClr val="accent6"/>
+          </a:fillRef>
+          <a:effectRef idx="0">
+            <a:schemeClr val="accent6"/>
+          </a:effectRef>
+          <a:fontRef idx="minor">
+            <a:schemeClr val="lt1"/>
+          </a:fontRef>
+        </p:style>
+        <p:txBody>
+          <a:bodyPr rot="0" spcFirstLastPara="0" vertOverflow="overflow" horzOverflow="overflow" vert="horz" wrap="square" lIns="91440" tIns="45720" rIns="91440" bIns="45720" numCol="1" spcCol="0" rtlCol="0" fromWordArt="0" anchor="ctr" anchorCtr="0" forceAA="0" compatLnSpc="1">
+            <a:prstTxWarp prst="textNoShape">
+              <a:avLst/>
+            </a:prstTxWarp>
+            <a:noAutofit/>
+          </a:bodyPr>
+          <a:lstStyle/>
+          <a:p>
+            <a:pPr algn="ctr"/>
+            <a:endParaRPr lang="en-US">
+              <a:effectLst>
+                <a:outerShdw blurRad="60007" dist="310007" dir="7680000" sy="30000" kx="1300200" algn="ctr" rotWithShape="0">
+                  <a:prstClr val="black">
+                    <a:alpha val="32000"/>
+                  </a:prstClr>
+                </a:outerShdw>
+              </a:effectLst>
+            </a:endParaRPr>
+          </a:p>
+        </p:txBody>
+      </p:sp>
+      <p:sp>
+        <p:nvSpPr>
+          <p:cNvPr id="15" name="TextBox 14">
+            <a:extLst>
+              <a:ext uri="{FF2B5EF4-FFF2-40B4-BE49-F238E27FC236}">
+                <a16:creationId xmlns:a16="http://schemas.microsoft.com/office/drawing/2014/main" id="{3011FC81-D9BD-40D2-A7E9-3F158926EB43}"/>
               </a:ext>
             </a:extLst>
           </p:cNvPr>
@@ -5923,13 +5339,24 @@
         </p:nvSpPr>
         <p:spPr>
           <a:xfrm>
-            <a:off x="337752" y="477795"/>
-            <a:ext cx="8169224" cy="1631216"/>
+            <a:off x="6226322" y="2458817"/>
+            <a:ext cx="877163" cy="369332"/>
           </a:xfrm>
           <a:prstGeom prst="rect">
             <a:avLst/>
           </a:prstGeom>
           <a:noFill/>
+          <a:effectLst>
+            <a:outerShdw blurRad="76200" dir="13500000" sy="23000" kx="1200000" algn="br" rotWithShape="0">
+              <a:prstClr val="black">
+                <a:alpha val="20000"/>
+              </a:prstClr>
+            </a:outerShdw>
+          </a:effectLst>
+          <a:scene3d>
+            <a:camera prst="isometricOffAxis1Right"/>
+            <a:lightRig rig="threePt" dir="t"/>
+          </a:scene3d>
         </p:spPr>
         <p:txBody>
           <a:bodyPr wrap="none" rtlCol="0">
@@ -5938,19 +5365,35 @@
           <a:lstStyle/>
           <a:p>
             <a:r>
-              <a:rPr lang="ko-KR" altLang="en-US" sz="10000" dirty="0"/>
-              <a:t>개발능력 증명</a:t>
-            </a:r>
-            <a:endParaRPr lang="en-US" sz="10000" dirty="0"/>
-          </a:p>
-        </p:txBody>
-      </p:sp>
-      <p:sp>
-        <p:nvSpPr>
-          <p:cNvPr id="4" name="TextBox 3">
+              <a:rPr lang="ko-KR" altLang="en-US" dirty="0">
+                <a:effectLst>
+                  <a:outerShdw blurRad="60007" dist="310007" dir="7680000" sy="30000" kx="1300200" algn="ctr" rotWithShape="0">
+                    <a:prstClr val="black">
+                      <a:alpha val="32000"/>
+                    </a:prstClr>
+                  </a:outerShdw>
+                </a:effectLst>
+              </a:rPr>
+              <a:t>최수환</a:t>
+            </a:r>
+            <a:endParaRPr lang="en-US" dirty="0">
+              <a:effectLst>
+                <a:outerShdw blurRad="60007" dist="310007" dir="7680000" sy="30000" kx="1300200" algn="ctr" rotWithShape="0">
+                  <a:prstClr val="black">
+                    <a:alpha val="32000"/>
+                  </a:prstClr>
+                </a:outerShdw>
+              </a:effectLst>
+            </a:endParaRPr>
+          </a:p>
+        </p:txBody>
+      </p:sp>
+      <p:sp>
+        <p:nvSpPr>
+          <p:cNvPr id="16" name="TextBox 15">
             <a:extLst>
               <a:ext uri="{FF2B5EF4-FFF2-40B4-BE49-F238E27FC236}">
-                <a16:creationId xmlns:a16="http://schemas.microsoft.com/office/drawing/2014/main" id="{6D4A3128-583C-4E6C-9328-C56638E51E36}"/>
+                <a16:creationId xmlns:a16="http://schemas.microsoft.com/office/drawing/2014/main" id="{C7A8B231-9BDF-44EC-AF4C-3B53F1C7E1DE}"/>
               </a:ext>
             </a:extLst>
           </p:cNvPr>
@@ -5959,13 +5402,24 @@
         </p:nvSpPr>
         <p:spPr>
           <a:xfrm>
-            <a:off x="1171074" y="2646947"/>
-            <a:ext cx="9094156" cy="1477328"/>
+            <a:off x="8629886" y="1983594"/>
+            <a:ext cx="877163" cy="369332"/>
           </a:xfrm>
           <a:prstGeom prst="rect">
             <a:avLst/>
           </a:prstGeom>
           <a:noFill/>
+          <a:effectLst>
+            <a:outerShdw blurRad="76200" dir="13500000" sy="23000" kx="1200000" algn="br" rotWithShape="0">
+              <a:prstClr val="black">
+                <a:alpha val="20000"/>
+              </a:prstClr>
+            </a:outerShdw>
+          </a:effectLst>
+          <a:scene3d>
+            <a:camera prst="isometricOffAxis1Right"/>
+            <a:lightRig rig="threePt" dir="t"/>
+          </a:scene3d>
         </p:spPr>
         <p:txBody>
           <a:bodyPr wrap="none" rtlCol="0">
@@ -5974,120 +5428,222 @@
           <a:lstStyle/>
           <a:p>
             <a:r>
-              <a:rPr lang="ko-KR" altLang="en-US" dirty="0" err="1"/>
+              <a:rPr lang="ko-KR" altLang="en-US" dirty="0" err="1">
+                <a:effectLst>
+                  <a:outerShdw blurRad="60007" dist="310007" dir="7680000" sy="30000" kx="1300200" algn="ctr" rotWithShape="0">
+                    <a:prstClr val="black">
+                      <a:alpha val="32000"/>
+                    </a:prstClr>
+                  </a:outerShdw>
+                </a:effectLst>
+              </a:rPr>
+              <a:t>주종원</a:t>
+            </a:r>
+            <a:endParaRPr lang="en-US" dirty="0">
+              <a:effectLst>
+                <a:outerShdw blurRad="60007" dist="310007" dir="7680000" sy="30000" kx="1300200" algn="ctr" rotWithShape="0">
+                  <a:prstClr val="black">
+                    <a:alpha val="32000"/>
+                  </a:prstClr>
+                </a:outerShdw>
+              </a:effectLst>
+            </a:endParaRPr>
+          </a:p>
+        </p:txBody>
+      </p:sp>
+      <p:sp>
+        <p:nvSpPr>
+          <p:cNvPr id="17" name="TextBox 16">
+            <a:extLst>
+              <a:ext uri="{FF2B5EF4-FFF2-40B4-BE49-F238E27FC236}">
+                <a16:creationId xmlns:a16="http://schemas.microsoft.com/office/drawing/2014/main" id="{FEAF5074-4465-42A4-9A33-9DBA949E2B51}"/>
+              </a:ext>
+            </a:extLst>
+          </p:cNvPr>
+          <p:cNvSpPr txBox="1"/>
+          <p:nvPr/>
+        </p:nvSpPr>
+        <p:spPr>
+          <a:xfrm>
+            <a:off x="8391957" y="4253350"/>
+            <a:ext cx="877163" cy="369332"/>
+          </a:xfrm>
+          <a:prstGeom prst="rect">
+            <a:avLst/>
+          </a:prstGeom>
+          <a:noFill/>
+          <a:effectLst>
+            <a:outerShdw blurRad="76200" dir="13500000" sy="23000" kx="1200000" algn="br" rotWithShape="0">
+              <a:prstClr val="black">
+                <a:alpha val="20000"/>
+              </a:prstClr>
+            </a:outerShdw>
+          </a:effectLst>
+          <a:scene3d>
+            <a:camera prst="isometricOffAxis1Right"/>
+            <a:lightRig rig="threePt" dir="t"/>
+          </a:scene3d>
+        </p:spPr>
+        <p:txBody>
+          <a:bodyPr wrap="none" rtlCol="0">
+            <a:spAutoFit/>
+          </a:bodyPr>
+          <a:lstStyle/>
+          <a:p>
+            <a:r>
+              <a:rPr lang="ko-KR" altLang="en-US" dirty="0" err="1">
+                <a:effectLst>
+                  <a:outerShdw blurRad="60007" dist="310007" dir="7680000" sy="30000" kx="1300200" algn="ctr" rotWithShape="0">
+                    <a:prstClr val="black">
+                      <a:alpha val="32000"/>
+                    </a:prstClr>
+                  </a:outerShdw>
+                </a:effectLst>
+              </a:rPr>
+              <a:t>민문기</a:t>
+            </a:r>
+            <a:endParaRPr lang="en-US" dirty="0">
+              <a:effectLst>
+                <a:outerShdw blurRad="60007" dist="310007" dir="7680000" sy="30000" kx="1300200" algn="ctr" rotWithShape="0">
+                  <a:prstClr val="black">
+                    <a:alpha val="32000"/>
+                  </a:prstClr>
+                </a:outerShdw>
+              </a:effectLst>
+            </a:endParaRPr>
+          </a:p>
+        </p:txBody>
+      </p:sp>
+      <p:sp>
+        <p:nvSpPr>
+          <p:cNvPr id="18" name="TextBox 17">
+            <a:extLst>
+              <a:ext uri="{FF2B5EF4-FFF2-40B4-BE49-F238E27FC236}">
+                <a16:creationId xmlns:a16="http://schemas.microsoft.com/office/drawing/2014/main" id="{45E2F6BC-AFD8-491A-96A7-A16FAF89B472}"/>
+              </a:ext>
+            </a:extLst>
+          </p:cNvPr>
+          <p:cNvSpPr txBox="1"/>
+          <p:nvPr/>
+        </p:nvSpPr>
+        <p:spPr>
+          <a:xfrm>
+            <a:off x="5366613" y="4663749"/>
+            <a:ext cx="877163" cy="369332"/>
+          </a:xfrm>
+          <a:prstGeom prst="rect">
+            <a:avLst/>
+          </a:prstGeom>
+          <a:noFill/>
+          <a:effectLst>
+            <a:outerShdw blurRad="76200" dir="13500000" sy="23000" kx="1200000" algn="br" rotWithShape="0">
+              <a:prstClr val="black">
+                <a:alpha val="20000"/>
+              </a:prstClr>
+            </a:outerShdw>
+          </a:effectLst>
+          <a:scene3d>
+            <a:camera prst="isometricOffAxis1Right"/>
+            <a:lightRig rig="threePt" dir="t"/>
+          </a:scene3d>
+        </p:spPr>
+        <p:txBody>
+          <a:bodyPr wrap="none" rtlCol="0">
+            <a:spAutoFit/>
+          </a:bodyPr>
+          <a:lstStyle/>
+          <a:p>
+            <a:r>
+              <a:rPr lang="ko-KR" altLang="en-US" dirty="0" err="1">
+                <a:effectLst>
+                  <a:outerShdw blurRad="60007" dist="310007" dir="7680000" sy="30000" kx="1300200" algn="ctr" rotWithShape="0">
+                    <a:prstClr val="black">
+                      <a:alpha val="32000"/>
+                    </a:prstClr>
+                  </a:outerShdw>
+                </a:effectLst>
+              </a:rPr>
+              <a:t>조승준</a:t>
+            </a:r>
+            <a:endParaRPr lang="en-US" dirty="0">
+              <a:effectLst>
+                <a:outerShdw blurRad="60007" dist="310007" dir="7680000" sy="30000" kx="1300200" algn="ctr" rotWithShape="0">
+                  <a:prstClr val="black">
+                    <a:alpha val="32000"/>
+                  </a:prstClr>
+                </a:outerShdw>
+              </a:effectLst>
+            </a:endParaRPr>
+          </a:p>
+        </p:txBody>
+      </p:sp>
+      <p:sp>
+        <p:nvSpPr>
+          <p:cNvPr id="19" name="TextBox 18">
+            <a:extLst>
+              <a:ext uri="{FF2B5EF4-FFF2-40B4-BE49-F238E27FC236}">
+                <a16:creationId xmlns:a16="http://schemas.microsoft.com/office/drawing/2014/main" id="{2B00976E-00BA-4DD3-AC82-8021F584D3FE}"/>
+              </a:ext>
+            </a:extLst>
+          </p:cNvPr>
+          <p:cNvSpPr txBox="1"/>
+          <p:nvPr/>
+        </p:nvSpPr>
+        <p:spPr>
+          <a:xfrm>
+            <a:off x="3692745" y="2875280"/>
+            <a:ext cx="877163" cy="369332"/>
+          </a:xfrm>
+          <a:prstGeom prst="rect">
+            <a:avLst/>
+          </a:prstGeom>
+          <a:noFill/>
+          <a:effectLst>
+            <a:outerShdw blurRad="76200" dir="13500000" sy="23000" kx="1200000" algn="br" rotWithShape="0">
+              <a:prstClr val="black">
+                <a:alpha val="20000"/>
+              </a:prstClr>
+            </a:outerShdw>
+          </a:effectLst>
+          <a:scene3d>
+            <a:camera prst="isometricOffAxis1Right"/>
+            <a:lightRig rig="threePt" dir="t"/>
+          </a:scene3d>
+        </p:spPr>
+        <p:txBody>
+          <a:bodyPr wrap="none" rtlCol="0">
+            <a:spAutoFit/>
+          </a:bodyPr>
+          <a:lstStyle/>
+          <a:p>
+            <a:r>
+              <a:rPr lang="ko-KR" altLang="en-US" dirty="0" err="1">
+                <a:effectLst>
+                  <a:outerShdw blurRad="60007" dist="310007" dir="7680000" sy="30000" kx="1300200" algn="ctr" rotWithShape="0">
+                    <a:prstClr val="black">
+                      <a:alpha val="32000"/>
+                    </a:prstClr>
+                  </a:outerShdw>
+                </a:effectLst>
+              </a:rPr>
               <a:t>노하늘</a:t>
             </a:r>
-            <a:r>
-              <a:rPr lang="ko-KR" altLang="en-US" dirty="0"/>
-              <a:t> </a:t>
-            </a:r>
-            <a:r>
-              <a:rPr lang="en-US" altLang="ko-KR" dirty="0"/>
-              <a:t>- </a:t>
-            </a:r>
-            <a:r>
-              <a:rPr lang="ko-KR" altLang="en-US" dirty="0"/>
-              <a:t>학교 프로젝트에서 디자인을 담당하고 있음 회의에서도 적극적인 참여를 하였음</a:t>
-            </a:r>
-            <a:endParaRPr lang="en-US" altLang="ko-KR" dirty="0"/>
-          </a:p>
-          <a:p>
-            <a:r>
-              <a:rPr lang="ko-KR" altLang="en-US" dirty="0" err="1"/>
-              <a:t>민문기</a:t>
-            </a:r>
-            <a:r>
-              <a:rPr lang="ko-KR" altLang="en-US" dirty="0"/>
-              <a:t> </a:t>
-            </a:r>
-            <a:r>
-              <a:rPr lang="en-US" altLang="ko-KR" dirty="0"/>
-              <a:t>- </a:t>
-            </a:r>
-            <a:r>
-              <a:rPr lang="ko-KR" altLang="en-US" dirty="0"/>
-              <a:t>유니티 배운 적 있음 게임에 관심이 많음</a:t>
-            </a:r>
-            <a:endParaRPr lang="en-US" altLang="ko-KR" dirty="0"/>
-          </a:p>
-          <a:p>
-            <a:r>
-              <a:rPr lang="ko-KR" altLang="en-US" dirty="0" err="1"/>
-              <a:t>주종원</a:t>
-            </a:r>
-            <a:r>
-              <a:rPr lang="ko-KR" altLang="en-US" dirty="0"/>
-              <a:t> </a:t>
-            </a:r>
-            <a:r>
-              <a:rPr lang="en-US" altLang="ko-KR" dirty="0"/>
-              <a:t>– </a:t>
-            </a:r>
-            <a:r>
-              <a:rPr lang="ko-KR" altLang="en-US" dirty="0" err="1"/>
-              <a:t>마인크래프트</a:t>
-            </a:r>
-            <a:r>
-              <a:rPr lang="ko-KR" altLang="en-US" dirty="0"/>
-              <a:t> 서버를 만들어본 경험이 있어 </a:t>
-            </a:r>
-            <a:r>
-              <a:rPr lang="en-US" altLang="ko-KR" dirty="0"/>
-              <a:t>3D</a:t>
-            </a:r>
-            <a:r>
-              <a:rPr lang="ko-KR" altLang="en-US" dirty="0"/>
-              <a:t>게임에 경험이 있음</a:t>
-            </a:r>
-            <a:endParaRPr lang="en-US" altLang="ko-KR" dirty="0"/>
-          </a:p>
-          <a:p>
-            <a:r>
-              <a:rPr lang="ko-KR" altLang="en-US" dirty="0"/>
-              <a:t>최수환 </a:t>
-            </a:r>
-            <a:r>
-              <a:rPr lang="en-US" altLang="ko-KR" dirty="0"/>
-              <a:t>– </a:t>
-            </a:r>
-            <a:r>
-              <a:rPr lang="ko-KR" altLang="en-US" dirty="0"/>
-              <a:t>딱히 </a:t>
-            </a:r>
-            <a:r>
-              <a:rPr lang="ko-KR" altLang="en-US" dirty="0" err="1"/>
-              <a:t>노력파</a:t>
-            </a:r>
-            <a:endParaRPr lang="en-US" altLang="ko-KR" dirty="0"/>
-          </a:p>
-          <a:p>
-            <a:r>
-              <a:rPr lang="ko-KR" altLang="en-US" dirty="0" err="1"/>
-              <a:t>조승준</a:t>
-            </a:r>
-            <a:r>
-              <a:rPr lang="ko-KR" altLang="en-US" dirty="0"/>
-              <a:t> </a:t>
-            </a:r>
-            <a:r>
-              <a:rPr lang="en-US" altLang="ko-KR" dirty="0"/>
-              <a:t>– </a:t>
-            </a:r>
-            <a:r>
-              <a:rPr lang="ko-KR" altLang="en-US" dirty="0"/>
-              <a:t>나는 프로그래밍이 좋다</a:t>
-            </a:r>
-            <a:r>
-              <a:rPr lang="en-US" altLang="ko-KR" dirty="0"/>
-              <a:t>.</a:t>
-            </a:r>
+            <a:endParaRPr lang="en-US" dirty="0">
+              <a:effectLst>
+                <a:outerShdw blurRad="60007" dist="310007" dir="7680000" sy="30000" kx="1300200" algn="ctr" rotWithShape="0">
+                  <a:prstClr val="black">
+                    <a:alpha val="32000"/>
+                  </a:prstClr>
+                </a:outerShdw>
+              </a:effectLst>
+            </a:endParaRPr>
           </a:p>
         </p:txBody>
       </p:sp>
     </p:spTree>
     <p:extLst>
       <p:ext uri="{BB962C8B-B14F-4D97-AF65-F5344CB8AC3E}">
-        <p14:creationId xmlns:p14="http://schemas.microsoft.com/office/powerpoint/2010/main" val="1514578687"/>
+        <p14:creationId xmlns:p14="http://schemas.microsoft.com/office/powerpoint/2010/main" val="2960524204"/>
       </p:ext>
     </p:extLst>
   </p:cSld>
@@ -6116,72 +5672,10 @@
       </p:grpSpPr>
       <p:sp>
         <p:nvSpPr>
-          <p:cNvPr id="4" name="Oval 3">
+          <p:cNvPr id="3" name="TextBox 2">
             <a:extLst>
               <a:ext uri="{FF2B5EF4-FFF2-40B4-BE49-F238E27FC236}">
-                <a16:creationId xmlns:a16="http://schemas.microsoft.com/office/drawing/2014/main" id="{3A6E4FF2-2620-49A2-948B-F1A0352E9F1E}"/>
-              </a:ext>
-            </a:extLst>
-          </p:cNvPr>
-          <p:cNvSpPr/>
-          <p:nvPr/>
-        </p:nvSpPr>
-        <p:spPr>
-          <a:xfrm>
-            <a:off x="892704" y="666725"/>
-            <a:ext cx="1712731" cy="1712731"/>
-          </a:xfrm>
-          <a:prstGeom prst="ellipse">
-            <a:avLst/>
-          </a:prstGeom>
-          <a:effectLst>
-            <a:outerShdw blurRad="76200" dir="13500000" sy="23000" kx="1200000" algn="br" rotWithShape="0">
-              <a:prstClr val="black">
-                <a:alpha val="20000"/>
-              </a:prstClr>
-            </a:outerShdw>
-          </a:effectLst>
-          <a:scene3d>
-            <a:camera prst="isometricOffAxis1Right"/>
-            <a:lightRig rig="threePt" dir="t"/>
-          </a:scene3d>
-        </p:spPr>
-        <p:style>
-          <a:lnRef idx="2">
-            <a:schemeClr val="accent5">
-              <a:shade val="50000"/>
-            </a:schemeClr>
-          </a:lnRef>
-          <a:fillRef idx="1">
-            <a:schemeClr val="accent5"/>
-          </a:fillRef>
-          <a:effectRef idx="0">
-            <a:schemeClr val="accent5"/>
-          </a:effectRef>
-          <a:fontRef idx="minor">
-            <a:schemeClr val="lt1"/>
-          </a:fontRef>
-        </p:style>
-        <p:txBody>
-          <a:bodyPr rot="0" spcFirstLastPara="0" vertOverflow="overflow" horzOverflow="overflow" vert="horz" wrap="square" lIns="91440" tIns="45720" rIns="91440" bIns="45720" numCol="1" spcCol="0" rtlCol="0" fromWordArt="0" anchor="ctr" anchorCtr="0" forceAA="0" compatLnSpc="1">
-            <a:prstTxWarp prst="textNoShape">
-              <a:avLst/>
-            </a:prstTxWarp>
-            <a:noAutofit/>
-          </a:bodyPr>
-          <a:lstStyle/>
-          <a:p>
-            <a:pPr algn="ctr"/>
-            <a:endParaRPr lang="en-US"/>
-          </a:p>
-        </p:txBody>
-      </p:sp>
-      <p:sp>
-        <p:nvSpPr>
-          <p:cNvPr id="6" name="TextBox 5">
-            <a:extLst>
-              <a:ext uri="{FF2B5EF4-FFF2-40B4-BE49-F238E27FC236}">
-                <a16:creationId xmlns:a16="http://schemas.microsoft.com/office/drawing/2014/main" id="{1CA82A2D-F04E-452D-86F1-089D33763A34}"/>
+                <a16:creationId xmlns:a16="http://schemas.microsoft.com/office/drawing/2014/main" id="{DD59EED9-EA1A-4C6E-B5E4-ED72FA07F603}"/>
               </a:ext>
             </a:extLst>
           </p:cNvPr>
@@ -6190,71 +5684,8 @@
         </p:nvSpPr>
         <p:spPr>
           <a:xfrm>
-            <a:off x="2686916" y="1015258"/>
-            <a:ext cx="2653117" cy="1015663"/>
-          </a:xfrm>
-          <a:prstGeom prst="rect">
-            <a:avLst/>
-          </a:prstGeom>
-          <a:noFill/>
-          <a:effectLst>
-            <a:outerShdw blurRad="76200" dir="13500000" sy="23000" kx="1200000" algn="br" rotWithShape="0">
-              <a:prstClr val="black">
-                <a:alpha val="20000"/>
-              </a:prstClr>
-            </a:outerShdw>
-          </a:effectLst>
-          <a:scene3d>
-            <a:camera prst="isometricOffAxis1Right"/>
-            <a:lightRig rig="threePt" dir="t"/>
-          </a:scene3d>
-        </p:spPr>
-        <p:txBody>
-          <a:bodyPr wrap="square" rtlCol="0">
-            <a:spAutoFit/>
-          </a:bodyPr>
-          <a:lstStyle/>
-          <a:p>
-            <a:r>
-              <a:rPr lang="ko-KR" altLang="en-US" sz="6000" dirty="0">
-                <a:effectLst>
-                  <a:outerShdw blurRad="60007" dist="310007" dir="7680000" sy="30000" kx="1300200" algn="ctr" rotWithShape="0">
-                    <a:prstClr val="black">
-                      <a:alpha val="32000"/>
-                    </a:prstClr>
-                  </a:outerShdw>
-                </a:effectLst>
-              </a:rPr>
-              <a:t>최수환</a:t>
-            </a:r>
-            <a:endParaRPr lang="en-US" sz="6000" dirty="0">
-              <a:effectLst>
-                <a:outerShdw blurRad="60007" dist="310007" dir="7680000" sy="30000" kx="1300200" algn="ctr" rotWithShape="0">
-                  <a:prstClr val="black">
-                    <a:alpha val="32000"/>
-                  </a:prstClr>
-                </a:outerShdw>
-              </a:effectLst>
-            </a:endParaRPr>
-          </a:p>
-        </p:txBody>
-      </p:sp>
-      <p:sp>
-        <p:nvSpPr>
-          <p:cNvPr id="7" name="TextBox 6">
-            <a:extLst>
-              <a:ext uri="{FF2B5EF4-FFF2-40B4-BE49-F238E27FC236}">
-                <a16:creationId xmlns:a16="http://schemas.microsoft.com/office/drawing/2014/main" id="{B3988E6E-1168-4BE8-9C3C-58B1401ADE55}"/>
-              </a:ext>
-            </a:extLst>
-          </p:cNvPr>
-          <p:cNvSpPr txBox="1"/>
-          <p:nvPr/>
-        </p:nvSpPr>
-        <p:spPr>
-          <a:xfrm>
-            <a:off x="5340033" y="1338423"/>
-            <a:ext cx="2478564" cy="369332"/>
+            <a:off x="337752" y="477795"/>
+            <a:ext cx="8169224" cy="1631216"/>
           </a:xfrm>
           <a:prstGeom prst="rect">
             <a:avLst/>
@@ -6268,25 +5699,156 @@
           <a:lstStyle/>
           <a:p>
             <a:r>
+              <a:rPr lang="ko-KR" altLang="en-US" sz="10000" dirty="0"/>
+              <a:t>개발능력 증명</a:t>
+            </a:r>
+            <a:endParaRPr lang="en-US" sz="10000" dirty="0"/>
+          </a:p>
+        </p:txBody>
+      </p:sp>
+      <p:sp>
+        <p:nvSpPr>
+          <p:cNvPr id="4" name="TextBox 3">
+            <a:extLst>
+              <a:ext uri="{FF2B5EF4-FFF2-40B4-BE49-F238E27FC236}">
+                <a16:creationId xmlns:a16="http://schemas.microsoft.com/office/drawing/2014/main" id="{6D4A3128-583C-4E6C-9328-C56638E51E36}"/>
+              </a:ext>
+            </a:extLst>
+          </p:cNvPr>
+          <p:cNvSpPr txBox="1"/>
+          <p:nvPr/>
+        </p:nvSpPr>
+        <p:spPr>
+          <a:xfrm>
+            <a:off x="1171074" y="2646947"/>
+            <a:ext cx="9094156" cy="1477328"/>
+          </a:xfrm>
+          <a:prstGeom prst="rect">
+            <a:avLst/>
+          </a:prstGeom>
+          <a:noFill/>
+        </p:spPr>
+        <p:txBody>
+          <a:bodyPr wrap="none" rtlCol="0">
+            <a:spAutoFit/>
+          </a:bodyPr>
+          <a:lstStyle/>
+          <a:p>
+            <a:r>
+              <a:rPr lang="ko-KR" altLang="en-US" dirty="0" err="1"/>
+              <a:t>노하늘</a:t>
+            </a:r>
+            <a:r>
               <a:rPr lang="ko-KR" altLang="en-US" dirty="0"/>
-              <a:t>스토리 텔 러</a:t>
+              <a:t> </a:t>
             </a:r>
             <a:r>
               <a:rPr lang="en-US" altLang="ko-KR" dirty="0"/>
-              <a:t>, </a:t>
+              <a:t>- </a:t>
             </a:r>
             <a:r>
               <a:rPr lang="ko-KR" altLang="en-US" dirty="0"/>
-              <a:t>사무담당</a:t>
-            </a:r>
-            <a:endParaRPr lang="en-US" dirty="0"/>
+              <a:t>학교 프로젝트에서 디자인을 담당하고 있음 회의에서도 적극적인 참여를 하였음</a:t>
+            </a:r>
+            <a:endParaRPr lang="en-US" altLang="ko-KR" dirty="0"/>
+          </a:p>
+          <a:p>
+            <a:r>
+              <a:rPr lang="ko-KR" altLang="en-US" dirty="0" err="1"/>
+              <a:t>민문기</a:t>
+            </a:r>
+            <a:r>
+              <a:rPr lang="ko-KR" altLang="en-US" dirty="0"/>
+              <a:t> </a:t>
+            </a:r>
+            <a:r>
+              <a:rPr lang="en-US" altLang="ko-KR" dirty="0"/>
+              <a:t>- </a:t>
+            </a:r>
+            <a:r>
+              <a:rPr lang="ko-KR" altLang="en-US" dirty="0"/>
+              <a:t>유니티 배운 적 있음 게임에 관심이 많음</a:t>
+            </a:r>
+            <a:endParaRPr lang="en-US" altLang="ko-KR" dirty="0"/>
+          </a:p>
+          <a:p>
+            <a:r>
+              <a:rPr lang="ko-KR" altLang="en-US" dirty="0" err="1"/>
+              <a:t>주종원</a:t>
+            </a:r>
+            <a:r>
+              <a:rPr lang="ko-KR" altLang="en-US" dirty="0"/>
+              <a:t> </a:t>
+            </a:r>
+            <a:r>
+              <a:rPr lang="en-US" altLang="ko-KR" dirty="0"/>
+              <a:t>– </a:t>
+            </a:r>
+            <a:r>
+              <a:rPr lang="ko-KR" altLang="en-US" dirty="0" err="1"/>
+              <a:t>마인크래프트</a:t>
+            </a:r>
+            <a:r>
+              <a:rPr lang="ko-KR" altLang="en-US" dirty="0"/>
+              <a:t> 서버를 만들어본 경험이 있어 </a:t>
+            </a:r>
+            <a:r>
+              <a:rPr lang="en-US" altLang="ko-KR" dirty="0"/>
+              <a:t>3D</a:t>
+            </a:r>
+            <a:r>
+              <a:rPr lang="ko-KR" altLang="en-US" dirty="0"/>
+              <a:t>게임에 경험이 있음</a:t>
+            </a:r>
+            <a:endParaRPr lang="en-US" altLang="ko-KR" dirty="0"/>
+          </a:p>
+          <a:p>
+            <a:r>
+              <a:rPr lang="ko-KR" altLang="en-US" dirty="0"/>
+              <a:t>최수환 </a:t>
+            </a:r>
+            <a:r>
+              <a:rPr lang="en-US" altLang="ko-KR" dirty="0" smtClean="0"/>
+              <a:t>– </a:t>
+            </a:r>
+            <a:r>
+              <a:rPr lang="ko-KR" altLang="en-US" dirty="0" smtClean="0"/>
+              <a:t>자바 </a:t>
+            </a:r>
+            <a:r>
+              <a:rPr lang="ko-KR" altLang="en-US" dirty="0" smtClean="0"/>
+              <a:t>과정 수강</a:t>
+            </a:r>
+            <a:endParaRPr lang="en-US" altLang="ko-KR" dirty="0"/>
+          </a:p>
+          <a:p>
+            <a:r>
+              <a:rPr lang="ko-KR" altLang="en-US" dirty="0" err="1"/>
+              <a:t>조승준</a:t>
+            </a:r>
+            <a:r>
+              <a:rPr lang="ko-KR" altLang="en-US" dirty="0"/>
+              <a:t> </a:t>
+            </a:r>
+            <a:r>
+              <a:rPr lang="en-US" altLang="ko-KR" dirty="0"/>
+              <a:t>– </a:t>
+            </a:r>
+            <a:r>
+              <a:rPr lang="ko-KR" altLang="en-US" dirty="0"/>
+              <a:t>나는 프로그래밍이 좋다</a:t>
+            </a:r>
+            <a:r>
+              <a:rPr lang="en-US" altLang="ko-KR" dirty="0"/>
+              <a:t>.</a:t>
+            </a:r>
           </a:p>
         </p:txBody>
       </p:sp>
     </p:spTree>
     <p:extLst>
       <p:ext uri="{BB962C8B-B14F-4D97-AF65-F5344CB8AC3E}">
-        <p14:creationId xmlns:p14="http://schemas.microsoft.com/office/powerpoint/2010/main" val="1346300014"/>
+        <p14:creationId xmlns:p14="http://schemas.microsoft.com/office/powerpoint/2010/main" val="1514578687"/>
       </p:ext>
     </p:extLst>
   </p:cSld>
@@ -6315,10 +5877,72 @@
       </p:grpSpPr>
       <p:sp>
         <p:nvSpPr>
-          <p:cNvPr id="2" name="TextBox 1">
+          <p:cNvPr id="4" name="Oval 3">
             <a:extLst>
               <a:ext uri="{FF2B5EF4-FFF2-40B4-BE49-F238E27FC236}">
-                <a16:creationId xmlns:a16="http://schemas.microsoft.com/office/drawing/2014/main" id="{A245296A-899B-4201-970F-BEA771586341}"/>
+                <a16:creationId xmlns:a16="http://schemas.microsoft.com/office/drawing/2014/main" id="{3A6E4FF2-2620-49A2-948B-F1A0352E9F1E}"/>
+              </a:ext>
+            </a:extLst>
+          </p:cNvPr>
+          <p:cNvSpPr/>
+          <p:nvPr/>
+        </p:nvSpPr>
+        <p:spPr>
+          <a:xfrm>
+            <a:off x="892704" y="666725"/>
+            <a:ext cx="1712731" cy="1712731"/>
+          </a:xfrm>
+          <a:prstGeom prst="ellipse">
+            <a:avLst/>
+          </a:prstGeom>
+          <a:effectLst>
+            <a:outerShdw blurRad="76200" dir="13500000" sy="23000" kx="1200000" algn="br" rotWithShape="0">
+              <a:prstClr val="black">
+                <a:alpha val="20000"/>
+              </a:prstClr>
+            </a:outerShdw>
+          </a:effectLst>
+          <a:scene3d>
+            <a:camera prst="isometricOffAxis1Right"/>
+            <a:lightRig rig="threePt" dir="t"/>
+          </a:scene3d>
+        </p:spPr>
+        <p:style>
+          <a:lnRef idx="2">
+            <a:schemeClr val="accent5">
+              <a:shade val="50000"/>
+            </a:schemeClr>
+          </a:lnRef>
+          <a:fillRef idx="1">
+            <a:schemeClr val="accent5"/>
+          </a:fillRef>
+          <a:effectRef idx="0">
+            <a:schemeClr val="accent5"/>
+          </a:effectRef>
+          <a:fontRef idx="minor">
+            <a:schemeClr val="lt1"/>
+          </a:fontRef>
+        </p:style>
+        <p:txBody>
+          <a:bodyPr rot="0" spcFirstLastPara="0" vertOverflow="overflow" horzOverflow="overflow" vert="horz" wrap="square" lIns="91440" tIns="45720" rIns="91440" bIns="45720" numCol="1" spcCol="0" rtlCol="0" fromWordArt="0" anchor="ctr" anchorCtr="0" forceAA="0" compatLnSpc="1">
+            <a:prstTxWarp prst="textNoShape">
+              <a:avLst/>
+            </a:prstTxWarp>
+            <a:noAutofit/>
+          </a:bodyPr>
+          <a:lstStyle/>
+          <a:p>
+            <a:pPr algn="ctr"/>
+            <a:endParaRPr lang="en-US"/>
+          </a:p>
+        </p:txBody>
+      </p:sp>
+      <p:sp>
+        <p:nvSpPr>
+          <p:cNvPr id="6" name="TextBox 5">
+            <a:extLst>
+              <a:ext uri="{FF2B5EF4-FFF2-40B4-BE49-F238E27FC236}">
+                <a16:creationId xmlns:a16="http://schemas.microsoft.com/office/drawing/2014/main" id="{1CA82A2D-F04E-452D-86F1-089D33763A34}"/>
               </a:ext>
             </a:extLst>
           </p:cNvPr>
@@ -6327,8 +5951,71 @@
         </p:nvSpPr>
         <p:spPr>
           <a:xfrm>
-            <a:off x="337752" y="477795"/>
-            <a:ext cx="11024172" cy="1631216"/>
+            <a:off x="2686916" y="1015258"/>
+            <a:ext cx="2653117" cy="1015663"/>
+          </a:xfrm>
+          <a:prstGeom prst="rect">
+            <a:avLst/>
+          </a:prstGeom>
+          <a:noFill/>
+          <a:effectLst>
+            <a:outerShdw blurRad="76200" dir="13500000" sy="23000" kx="1200000" algn="br" rotWithShape="0">
+              <a:prstClr val="black">
+                <a:alpha val="20000"/>
+              </a:prstClr>
+            </a:outerShdw>
+          </a:effectLst>
+          <a:scene3d>
+            <a:camera prst="isometricOffAxis1Right"/>
+            <a:lightRig rig="threePt" dir="t"/>
+          </a:scene3d>
+        </p:spPr>
+        <p:txBody>
+          <a:bodyPr wrap="square" rtlCol="0">
+            <a:spAutoFit/>
+          </a:bodyPr>
+          <a:lstStyle/>
+          <a:p>
+            <a:r>
+              <a:rPr lang="ko-KR" altLang="en-US" sz="6000" dirty="0">
+                <a:effectLst>
+                  <a:outerShdw blurRad="60007" dist="310007" dir="7680000" sy="30000" kx="1300200" algn="ctr" rotWithShape="0">
+                    <a:prstClr val="black">
+                      <a:alpha val="32000"/>
+                    </a:prstClr>
+                  </a:outerShdw>
+                </a:effectLst>
+              </a:rPr>
+              <a:t>최수환</a:t>
+            </a:r>
+            <a:endParaRPr lang="en-US" sz="6000" dirty="0">
+              <a:effectLst>
+                <a:outerShdw blurRad="60007" dist="310007" dir="7680000" sy="30000" kx="1300200" algn="ctr" rotWithShape="0">
+                  <a:prstClr val="black">
+                    <a:alpha val="32000"/>
+                  </a:prstClr>
+                </a:outerShdw>
+              </a:effectLst>
+            </a:endParaRPr>
+          </a:p>
+        </p:txBody>
+      </p:sp>
+      <p:sp>
+        <p:nvSpPr>
+          <p:cNvPr id="7" name="TextBox 6">
+            <a:extLst>
+              <a:ext uri="{FF2B5EF4-FFF2-40B4-BE49-F238E27FC236}">
+                <a16:creationId xmlns:a16="http://schemas.microsoft.com/office/drawing/2014/main" id="{B3988E6E-1168-4BE8-9C3C-58B1401ADE55}"/>
+              </a:ext>
+            </a:extLst>
+          </p:cNvPr>
+          <p:cNvSpPr txBox="1"/>
+          <p:nvPr/>
+        </p:nvSpPr>
+        <p:spPr>
+          <a:xfrm>
+            <a:off x="5340033" y="1338423"/>
+            <a:ext cx="2478564" cy="369332"/>
           </a:xfrm>
           <a:prstGeom prst="rect">
             <a:avLst/>
@@ -6342,54 +6029,16 @@
           <a:lstStyle/>
           <a:p>
             <a:r>
-              <a:rPr lang="ko-KR" altLang="en-US" sz="10000" dirty="0"/>
-              <a:t>기간내 개발 가능성</a:t>
-            </a:r>
-            <a:endParaRPr lang="en-US" sz="10000" dirty="0"/>
-          </a:p>
-        </p:txBody>
-      </p:sp>
-      <p:sp>
-        <p:nvSpPr>
-          <p:cNvPr id="3" name="TextBox 2">
-            <a:extLst>
-              <a:ext uri="{FF2B5EF4-FFF2-40B4-BE49-F238E27FC236}">
-                <a16:creationId xmlns:a16="http://schemas.microsoft.com/office/drawing/2014/main" id="{08659C15-EC60-474C-A069-69C956B7C19E}"/>
-              </a:ext>
-            </a:extLst>
-          </p:cNvPr>
-          <p:cNvSpPr txBox="1"/>
-          <p:nvPr/>
-        </p:nvSpPr>
-        <p:spPr>
-          <a:xfrm>
-            <a:off x="337752" y="2256424"/>
-            <a:ext cx="8278228" cy="646331"/>
-          </a:xfrm>
-          <a:prstGeom prst="rect">
-            <a:avLst/>
-          </a:prstGeom>
-          <a:noFill/>
-        </p:spPr>
-        <p:txBody>
-          <a:bodyPr wrap="none" rtlCol="0">
-            <a:spAutoFit/>
-          </a:bodyPr>
-          <a:lstStyle/>
-          <a:p>
-            <a:r>
               <a:rPr lang="ko-KR" altLang="en-US" dirty="0"/>
-              <a:t>스토리를 대폭 줄이고 가능한 맵 을 자동생성으로 하여 그래픽 작업을 줄인다</a:t>
+              <a:t>스토리 텔 러</a:t>
             </a:r>
             <a:r>
               <a:rPr lang="en-US" altLang="ko-KR" dirty="0"/>
-              <a:t>.</a:t>
-            </a:r>
-          </a:p>
-          <a:p>
+              <a:t>, </a:t>
+            </a:r>
             <a:r>
               <a:rPr lang="ko-KR" altLang="en-US" dirty="0"/>
-              <a:t>이미 시스템 구성에 들어가고있고 각자의 역할이 분명하여 작업이 진행되고 있다</a:t>
+              <a:t>사무담당</a:t>
             </a:r>
             <a:endParaRPr lang="en-US" dirty="0"/>
           </a:p>
@@ -6398,7 +6047,7 @@
     </p:spTree>
     <p:extLst>
       <p:ext uri="{BB962C8B-B14F-4D97-AF65-F5344CB8AC3E}">
-        <p14:creationId xmlns:p14="http://schemas.microsoft.com/office/powerpoint/2010/main" val="2963255227"/>
+        <p14:creationId xmlns:p14="http://schemas.microsoft.com/office/powerpoint/2010/main" val="1346300014"/>
       </p:ext>
     </p:extLst>
   </p:cSld>
@@ -6430,6 +6079,118 @@
           <p:cNvPr id="2" name="TextBox 1">
             <a:extLst>
               <a:ext uri="{FF2B5EF4-FFF2-40B4-BE49-F238E27FC236}">
+                <a16:creationId xmlns:a16="http://schemas.microsoft.com/office/drawing/2014/main" id="{A245296A-899B-4201-970F-BEA771586341}"/>
+              </a:ext>
+            </a:extLst>
+          </p:cNvPr>
+          <p:cNvSpPr txBox="1"/>
+          <p:nvPr/>
+        </p:nvSpPr>
+        <p:spPr>
+          <a:xfrm>
+            <a:off x="337752" y="477795"/>
+            <a:ext cx="11024172" cy="1631216"/>
+          </a:xfrm>
+          <a:prstGeom prst="rect">
+            <a:avLst/>
+          </a:prstGeom>
+          <a:noFill/>
+        </p:spPr>
+        <p:txBody>
+          <a:bodyPr wrap="none" rtlCol="0">
+            <a:spAutoFit/>
+          </a:bodyPr>
+          <a:lstStyle/>
+          <a:p>
+            <a:r>
+              <a:rPr lang="ko-KR" altLang="en-US" sz="10000" dirty="0"/>
+              <a:t>기간내 개발 가능성</a:t>
+            </a:r>
+            <a:endParaRPr lang="en-US" sz="10000" dirty="0"/>
+          </a:p>
+        </p:txBody>
+      </p:sp>
+      <p:sp>
+        <p:nvSpPr>
+          <p:cNvPr id="3" name="TextBox 2">
+            <a:extLst>
+              <a:ext uri="{FF2B5EF4-FFF2-40B4-BE49-F238E27FC236}">
+                <a16:creationId xmlns:a16="http://schemas.microsoft.com/office/drawing/2014/main" id="{08659C15-EC60-474C-A069-69C956B7C19E}"/>
+              </a:ext>
+            </a:extLst>
+          </p:cNvPr>
+          <p:cNvSpPr txBox="1"/>
+          <p:nvPr/>
+        </p:nvSpPr>
+        <p:spPr>
+          <a:xfrm>
+            <a:off x="337752" y="2256424"/>
+            <a:ext cx="8278228" cy="646331"/>
+          </a:xfrm>
+          <a:prstGeom prst="rect">
+            <a:avLst/>
+          </a:prstGeom>
+          <a:noFill/>
+        </p:spPr>
+        <p:txBody>
+          <a:bodyPr wrap="none" rtlCol="0">
+            <a:spAutoFit/>
+          </a:bodyPr>
+          <a:lstStyle/>
+          <a:p>
+            <a:r>
+              <a:rPr lang="ko-KR" altLang="en-US" dirty="0"/>
+              <a:t>스토리를 대폭 줄이고 가능한 맵 을 자동생성으로 하여 그래픽 작업을 줄인다</a:t>
+            </a:r>
+            <a:r>
+              <a:rPr lang="en-US" altLang="ko-KR" dirty="0"/>
+              <a:t>.</a:t>
+            </a:r>
+          </a:p>
+          <a:p>
+            <a:r>
+              <a:rPr lang="ko-KR" altLang="en-US" dirty="0"/>
+              <a:t>이미 시스템 구성에 들어가고있고 각자의 역할이 분명하여 작업이 진행되고 있다</a:t>
+            </a:r>
+            <a:endParaRPr lang="en-US" dirty="0"/>
+          </a:p>
+        </p:txBody>
+      </p:sp>
+    </p:spTree>
+    <p:extLst>
+      <p:ext uri="{BB962C8B-B14F-4D97-AF65-F5344CB8AC3E}">
+        <p14:creationId xmlns:p14="http://schemas.microsoft.com/office/powerpoint/2010/main" val="2963255227"/>
+      </p:ext>
+    </p:extLst>
+  </p:cSld>
+  <p:clrMapOvr>
+    <a:masterClrMapping/>
+  </p:clrMapOvr>
+</p:sld>
+</file>
+
+<file path=ppt/slides/slide24.xml><?xml version="1.0" encoding="utf-8"?>
+<p:sld xmlns:a="http://schemas.openxmlformats.org/drawingml/2006/main" xmlns:r="http://schemas.openxmlformats.org/officeDocument/2006/relationships" xmlns:p="http://schemas.openxmlformats.org/presentationml/2006/main">
+  <p:cSld>
+    <p:spTree>
+      <p:nvGrpSpPr>
+        <p:cNvPr id="1" name=""/>
+        <p:cNvGrpSpPr/>
+        <p:nvPr/>
+      </p:nvGrpSpPr>
+      <p:grpSpPr>
+        <a:xfrm>
+          <a:off x="0" y="0"/>
+          <a:ext cx="0" cy="0"/>
+          <a:chOff x="0" y="0"/>
+          <a:chExt cx="0" cy="0"/>
+        </a:xfrm>
+      </p:grpSpPr>
+      <p:sp>
+        <p:nvSpPr>
+          <p:cNvPr id="2" name="TextBox 1">
+            <a:extLst>
+              <a:ext uri="{FF2B5EF4-FFF2-40B4-BE49-F238E27FC236}">
                 <a16:creationId xmlns:a16="http://schemas.microsoft.com/office/drawing/2014/main" id="{A3C8B6DA-CD8B-472A-8E65-8AA36A3A7F0F}"/>
               </a:ext>
             </a:extLst>
@@ -6569,7 +6330,7 @@
 </p:sld>
 </file>
 
-<file path=ppt/slides/slide24.xml><?xml version="1.0" encoding="utf-8"?>
+<file path=ppt/slides/slide25.xml><?xml version="1.0" encoding="utf-8"?>
 <p:sld xmlns:a="http://schemas.openxmlformats.org/drawingml/2006/main" xmlns:r="http://schemas.openxmlformats.org/officeDocument/2006/relationships" xmlns:p="http://schemas.openxmlformats.org/presentationml/2006/main">
   <p:cSld>
     <p:spTree>
@@ -6616,6 +6377,336 @@
           <a:chExt cx="0" cy="0"/>
         </a:xfrm>
       </p:grpSpPr>
+      <p:pic>
+        <p:nvPicPr>
+          <p:cNvPr id="14" name="Picture 13">
+            <a:extLst>
+              <a:ext uri="{FF2B5EF4-FFF2-40B4-BE49-F238E27FC236}">
+                <a16:creationId xmlns:a16="http://schemas.microsoft.com/office/drawing/2014/main" id="{6068B0C3-B3D2-4DC9-8FB4-EADD594BD3B2}"/>
+              </a:ext>
+            </a:extLst>
+          </p:cNvPr>
+          <p:cNvPicPr>
+            <a:picLocks noChangeAspect="1"/>
+          </p:cNvPicPr>
+          <p:nvPr/>
+        </p:nvPicPr>
+        <p:blipFill>
+          <a:blip r:embed="rId2">
+            <a:extLst>
+              <a:ext uri="{BEBA8EAE-BF5A-486C-A8C5-ECC9F3942E4B}">
+                <a14:imgProps xmlns:a14="http://schemas.microsoft.com/office/drawing/2010/main">
+                  <a14:imgLayer r:embed="rId3">
+                    <a14:imgEffect>
+                      <a14:backgroundRemoval t="0" b="100000" l="0" r="100000">
+                        <a14:foregroundMark x1="48109" y1="7890" x2="73979" y2="7706"/>
+                        <a14:foregroundMark x1="39939" y1="46606" x2="12859" y2="66789"/>
+                        <a14:foregroundMark x1="14977" y1="82018" x2="9682" y2="94862"/>
+                        <a14:foregroundMark x1="50530" y1="66972" x2="60514" y2="79817"/>
+                        <a14:foregroundMark x1="64599" y1="84404" x2="85174" y2="99817"/>
+                        <a14:backgroundMark x1="45991" y1="75229" x2="46445" y2="81101"/>
+                        <a14:backgroundMark x1="47050" y1="71376" x2="48563" y2="73761"/>
+                        <a14:backgroundMark x1="47958" y1="83119" x2="48411" y2="86239"/>
+                        <a14:backgroundMark x1="47504" y1="78165" x2="49319" y2="81468"/>
+                      </a14:backgroundRemoval>
+                    </a14:imgEffect>
+                  </a14:imgLayer>
+                </a14:imgProps>
+              </a:ext>
+            </a:extLst>
+          </a:blip>
+          <a:stretch>
+            <a:fillRect/>
+          </a:stretch>
+        </p:blipFill>
+        <p:spPr>
+          <a:xfrm>
+            <a:off x="1731543" y="2532457"/>
+            <a:ext cx="8348667" cy="6883545"/>
+          </a:xfrm>
+          <a:prstGeom prst="rect">
+            <a:avLst/>
+          </a:prstGeom>
+        </p:spPr>
+      </p:pic>
+      <p:pic>
+        <p:nvPicPr>
+          <p:cNvPr id="13" name="Picture 12">
+            <a:extLst>
+              <a:ext uri="{FF2B5EF4-FFF2-40B4-BE49-F238E27FC236}">
+                <a16:creationId xmlns:a16="http://schemas.microsoft.com/office/drawing/2014/main" id="{D6D46D85-F82E-4624-8C0E-9152ECE17986}"/>
+              </a:ext>
+            </a:extLst>
+          </p:cNvPr>
+          <p:cNvPicPr>
+            <a:picLocks noChangeAspect="1"/>
+          </p:cNvPicPr>
+          <p:nvPr/>
+        </p:nvPicPr>
+        <p:blipFill rotWithShape="1">
+          <a:blip r:embed="rId4">
+            <a:extLst>
+              <a:ext uri="{BEBA8EAE-BF5A-486C-A8C5-ECC9F3942E4B}">
+                <a14:imgProps xmlns:a14="http://schemas.microsoft.com/office/drawing/2010/main">
+                  <a14:imgLayer r:embed="rId5">
+                    <a14:imgEffect>
+                      <a14:backgroundRemoval t="68257" b="100000" l="36157" r="57186">
+                        <a14:foregroundMark x1="40998" y1="88624" x2="47806" y2="98899"/>
+                        <a14:foregroundMark x1="40393" y1="86239" x2="49168" y2="91560"/>
+                        <a14:foregroundMark x1="50076" y1="97982" x2="48563" y2="81651"/>
+                        <a14:foregroundMark x1="50076" y1="91376" x2="50227" y2="74679"/>
+                        <a14:foregroundMark x1="47806" y1="98716" x2="40847" y2="98716"/>
+                        <a14:foregroundMark x1="39486" y1="98899" x2="39334" y2="75046"/>
+                        <a14:foregroundMark x1="38729" y1="99266" x2="38880" y2="75596"/>
+                        <a14:backgroundMark x1="49773" y1="71193" x2="52194" y2="74128"/>
+                        <a14:backgroundMark x1="47958" y1="69908" x2="52194" y2="74679"/>
+                        <a14:backgroundMark x1="41301" y1="70459" x2="38578" y2="72477"/>
+                        <a14:backgroundMark x1="39788" y1="70459" x2="38124" y2="71560"/>
+                      </a14:backgroundRemoval>
+                    </a14:imgEffect>
+                  </a14:imgLayer>
+                </a14:imgProps>
+              </a:ext>
+              <a:ext uri="{28A0092B-C50C-407E-A947-70E740481C1C}">
+                <a14:useLocalDpi xmlns:a14="http://schemas.microsoft.com/office/drawing/2010/main" val="0"/>
+              </a:ext>
+            </a:extLst>
+          </a:blip>
+          <a:srcRect l="38317" t="70627" r="49274"/>
+          <a:stretch/>
+        </p:blipFill>
+        <p:spPr>
+          <a:xfrm>
+            <a:off x="4873780" y="7401605"/>
+            <a:ext cx="1032096" cy="2014397"/>
+          </a:xfrm>
+          <a:prstGeom prst="rect">
+            <a:avLst/>
+          </a:prstGeom>
+        </p:spPr>
+      </p:pic>
+      <p:sp>
+        <p:nvSpPr>
+          <p:cNvPr id="4" name="TextBox 3">
+            <a:extLst>
+              <a:ext uri="{FF2B5EF4-FFF2-40B4-BE49-F238E27FC236}">
+                <a16:creationId xmlns:a16="http://schemas.microsoft.com/office/drawing/2014/main" id="{8D4843E1-2BC3-46AC-AEF6-F9224A778CF7}"/>
+              </a:ext>
+            </a:extLst>
+          </p:cNvPr>
+          <p:cNvSpPr txBox="1"/>
+          <p:nvPr/>
+        </p:nvSpPr>
+        <p:spPr>
+          <a:xfrm>
+            <a:off x="4031805" y="5172847"/>
+            <a:ext cx="3748142" cy="1569660"/>
+          </a:xfrm>
+          <a:prstGeom prst="rect">
+            <a:avLst/>
+          </a:prstGeom>
+          <a:noFill/>
+        </p:spPr>
+        <p:txBody>
+          <a:bodyPr wrap="none" rtlCol="0">
+            <a:spAutoFit/>
+          </a:bodyPr>
+          <a:lstStyle/>
+          <a:p>
+            <a:r>
+              <a:rPr lang="en-US" sz="9600" dirty="0" err="1">
+                <a:latin typeface="나눔손글씨 붓" panose="03060600000000000000" pitchFamily="66" charset="-127"/>
+                <a:ea typeface="나눔손글씨 붓" panose="03060600000000000000" pitchFamily="66" charset="-127"/>
+              </a:rPr>
+              <a:t>E’motion</a:t>
+            </a:r>
+            <a:endParaRPr lang="en-US" sz="9600" dirty="0">
+              <a:latin typeface="나눔손글씨 붓" panose="03060600000000000000" pitchFamily="66" charset="-127"/>
+              <a:ea typeface="나눔손글씨 붓" panose="03060600000000000000" pitchFamily="66" charset="-127"/>
+            </a:endParaRPr>
+          </a:p>
+        </p:txBody>
+      </p:sp>
+      <p:sp>
+        <p:nvSpPr>
+          <p:cNvPr id="2" name="TextBox 1"/>
+          <p:cNvSpPr txBox="1"/>
+          <p:nvPr/>
+        </p:nvSpPr>
+        <p:spPr>
+          <a:xfrm>
+            <a:off x="624254" y="1617785"/>
+            <a:ext cx="1160895" cy="369332"/>
+          </a:xfrm>
+          <a:prstGeom prst="rect">
+            <a:avLst/>
+          </a:prstGeom>
+          <a:noFill/>
+        </p:spPr>
+        <p:txBody>
+          <a:bodyPr wrap="none" rtlCol="0">
+            <a:spAutoFit/>
+          </a:bodyPr>
+          <a:lstStyle/>
+          <a:p>
+            <a:r>
+              <a:rPr lang="ko-KR" altLang="en-US" dirty="0" smtClean="0"/>
+              <a:t>임시 시안</a:t>
+            </a:r>
+            <a:endParaRPr lang="ko-KR" altLang="en-US" dirty="0"/>
+          </a:p>
+        </p:txBody>
+      </p:sp>
+    </p:spTree>
+    <p:extLst>
+      <p:ext uri="{BB962C8B-B14F-4D97-AF65-F5344CB8AC3E}">
+        <p14:creationId xmlns:p14="http://schemas.microsoft.com/office/powerpoint/2010/main" val="1699341622"/>
+      </p:ext>
+    </p:extLst>
+  </p:cSld>
+  <p:clrMapOvr>
+    <a:masterClrMapping/>
+  </p:clrMapOvr>
+  <p:timing>
+    <p:tnLst>
+      <p:par>
+        <p:cTn id="1" dur="indefinite" restart="never" nodeType="tmRoot">
+          <p:childTnLst>
+            <p:seq concurrent="1" nextAc="seek">
+              <p:cTn id="2" dur="indefinite" nodeType="mainSeq">
+                <p:childTnLst>
+                  <p:par>
+                    <p:cTn id="3" fill="hold">
+                      <p:stCondLst>
+                        <p:cond delay="indefinite"/>
+                        <p:cond evt="onBegin" delay="0">
+                          <p:tn val="2"/>
+                        </p:cond>
+                      </p:stCondLst>
+                      <p:childTnLst>
+                        <p:par>
+                          <p:cTn id="4" fill="hold">
+                            <p:stCondLst>
+                              <p:cond delay="0"/>
+                            </p:stCondLst>
+                            <p:childTnLst>
+                              <p:par>
+                                <p:cTn id="5" presetID="42" presetClass="path" presetSubtype="0" decel="50000" fill="hold" nodeType="withEffect">
+                                  <p:stCondLst>
+                                    <p:cond delay="0"/>
+                                  </p:stCondLst>
+                                  <p:childTnLst>
+                                    <p:animMotion origin="layout" path="M 5E-6 -4.81481E-6 L 5E-6 -0.37106 " pathEditMode="relative" rAng="0" ptsTypes="AA">
+                                      <p:cBhvr>
+                                        <p:cTn id="6" dur="3300" fill="hold"/>
+                                        <p:tgtEl>
+                                          <p:spTgt spid="14"/>
+                                        </p:tgtEl>
+                                        <p:attrNameLst>
+                                          <p:attrName>ppt_x</p:attrName>
+                                          <p:attrName>ppt_y</p:attrName>
+                                        </p:attrNameLst>
+                                      </p:cBhvr>
+                                      <p:rCtr x="0" y="-18565"/>
+                                    </p:animMotion>
+                                  </p:childTnLst>
+                                </p:cTn>
+                              </p:par>
+                              <p:par>
+                                <p:cTn id="7" presetID="42" presetClass="path" presetSubtype="0" decel="50000" fill="hold" grpId="0" nodeType="withEffect">
+                                  <p:stCondLst>
+                                    <p:cond delay="0"/>
+                                  </p:stCondLst>
+                                  <p:childTnLst>
+                                    <p:animMotion origin="layout" path="M 5E-6 1.48148E-6 L 5E-6 -0.36852 " pathEditMode="relative" rAng="0" ptsTypes="AA">
+                                      <p:cBhvr>
+                                        <p:cTn id="8" dur="3300" fill="hold"/>
+                                        <p:tgtEl>
+                                          <p:spTgt spid="4"/>
+                                        </p:tgtEl>
+                                        <p:attrNameLst>
+                                          <p:attrName>ppt_x</p:attrName>
+                                          <p:attrName>ppt_y</p:attrName>
+                                        </p:attrNameLst>
+                                      </p:cBhvr>
+                                      <p:rCtr x="0" y="-18426"/>
+                                    </p:animMotion>
+                                  </p:childTnLst>
+                                </p:cTn>
+                              </p:par>
+                              <p:par>
+                                <p:cTn id="9" presetID="42" presetClass="path" presetSubtype="0" decel="50000" fill="hold" nodeType="withEffect">
+                                  <p:stCondLst>
+                                    <p:cond delay="1700"/>
+                                  </p:stCondLst>
+                                  <p:childTnLst>
+                                    <p:animMotion origin="layout" path="M 2.70833E-6 4.07407E-6 L 2.70833E-6 -0.37315 " pathEditMode="relative" rAng="0" ptsTypes="AA">
+                                      <p:cBhvr>
+                                        <p:cTn id="10" dur="1600" fill="hold"/>
+                                        <p:tgtEl>
+                                          <p:spTgt spid="13"/>
+                                        </p:tgtEl>
+                                        <p:attrNameLst>
+                                          <p:attrName>ppt_x</p:attrName>
+                                          <p:attrName>ppt_y</p:attrName>
+                                        </p:attrNameLst>
+                                      </p:cBhvr>
+                                      <p:rCtr x="0" y="-18657"/>
+                                    </p:animMotion>
+                                  </p:childTnLst>
+                                </p:cTn>
+                              </p:par>
+                            </p:childTnLst>
+                          </p:cTn>
+                        </p:par>
+                      </p:childTnLst>
+                    </p:cTn>
+                  </p:par>
+                </p:childTnLst>
+              </p:cTn>
+              <p:prevCondLst>
+                <p:cond evt="onPrev" delay="0">
+                  <p:tgtEl>
+                    <p:sldTgt/>
+                  </p:tgtEl>
+                </p:cond>
+              </p:prevCondLst>
+              <p:nextCondLst>
+                <p:cond evt="onNext" delay="0">
+                  <p:tgtEl>
+                    <p:sldTgt/>
+                  </p:tgtEl>
+                </p:cond>
+              </p:nextCondLst>
+            </p:seq>
+          </p:childTnLst>
+        </p:cTn>
+      </p:par>
+    </p:tnLst>
+    <p:bldLst>
+      <p:bldP spid="4" grpId="0"/>
+    </p:bldLst>
+  </p:timing>
+</p:sld>
+</file>
+
+<file path=ppt/slides/slide4.xml><?xml version="1.0" encoding="utf-8"?>
+<p:sld xmlns:a="http://schemas.openxmlformats.org/drawingml/2006/main" xmlns:r="http://schemas.openxmlformats.org/officeDocument/2006/relationships" xmlns:p="http://schemas.openxmlformats.org/presentationml/2006/main">
+  <p:cSld>
+    <p:spTree>
+      <p:nvGrpSpPr>
+        <p:cNvPr id="1" name=""/>
+        <p:cNvGrpSpPr/>
+        <p:nvPr/>
+      </p:nvGrpSpPr>
+      <p:grpSpPr>
+        <a:xfrm>
+          <a:off x="0" y="0"/>
+          <a:ext cx="0" cy="0"/>
+          <a:chOff x="0" y="0"/>
+          <a:chExt cx="0" cy="0"/>
+        </a:xfrm>
+      </p:grpSpPr>
       <p:sp>
         <p:nvSpPr>
           <p:cNvPr id="9" name="Rectangle 8">
@@ -6690,7 +6781,7 @@
           <a:lstStyle/>
           <a:p>
             <a:pPr algn="ctr"/>
-            <a:endParaRPr lang="en-US"/>
+            <a:endParaRPr lang="en-US" dirty="0"/>
           </a:p>
         </p:txBody>
       </p:sp>
@@ -7711,6 +7802,44 @@
           </a:p>
         </p:txBody>
       </p:sp>
+      <p:sp>
+        <p:nvSpPr>
+          <p:cNvPr id="2" name="TextBox 1"/>
+          <p:cNvSpPr txBox="1"/>
+          <p:nvPr/>
+        </p:nvSpPr>
+        <p:spPr>
+          <a:xfrm>
+            <a:off x="3972694" y="622011"/>
+            <a:ext cx="2598788" cy="369332"/>
+          </a:xfrm>
+          <a:prstGeom prst="rect">
+            <a:avLst/>
+          </a:prstGeom>
+          <a:noFill/>
+        </p:spPr>
+        <p:txBody>
+          <a:bodyPr wrap="none" rtlCol="0">
+            <a:spAutoFit/>
+          </a:bodyPr>
+          <a:lstStyle/>
+          <a:p>
+            <a:r>
+              <a:rPr lang="ko-KR" altLang="en-US" dirty="0" smtClean="0"/>
+              <a:t>정말 </a:t>
+            </a:r>
+            <a:r>
+              <a:rPr lang="ko-KR" altLang="en-US" dirty="0" err="1" smtClean="0"/>
+              <a:t>불쌍해보이는</a:t>
+            </a:r>
+            <a:r>
+              <a:rPr lang="ko-KR" altLang="en-US" dirty="0" smtClean="0"/>
+              <a:t> 예시</a:t>
+            </a:r>
+            <a:endParaRPr lang="ko-KR" altLang="en-US" dirty="0"/>
+          </a:p>
+        </p:txBody>
+      </p:sp>
     </p:spTree>
     <p:extLst>
       <p:ext uri="{BB962C8B-B14F-4D97-AF65-F5344CB8AC3E}">
@@ -7721,131 +7850,13 @@
   <p:clrMapOvr>
     <a:masterClrMapping/>
   </p:clrMapOvr>
-</p:sld>
-</file>
-
-<file path=ppt/slides/slide4.xml><?xml version="1.0" encoding="utf-8"?>
-<p:sld xmlns:a="http://schemas.openxmlformats.org/drawingml/2006/main" xmlns:r="http://schemas.openxmlformats.org/officeDocument/2006/relationships" xmlns:p="http://schemas.openxmlformats.org/presentationml/2006/main">
-  <p:cSld>
-    <p:spTree>
-      <p:nvGrpSpPr>
-        <p:cNvPr id="1" name=""/>
-        <p:cNvGrpSpPr/>
-        <p:nvPr/>
-      </p:nvGrpSpPr>
-      <p:grpSpPr>
-        <a:xfrm>
-          <a:off x="0" y="0"/>
-          <a:ext cx="0" cy="0"/>
-          <a:chOff x="0" y="0"/>
-          <a:chExt cx="0" cy="0"/>
-        </a:xfrm>
-      </p:grpSpPr>
-      <p:sp>
-        <p:nvSpPr>
-          <p:cNvPr id="2" name="TextBox 1">
-            <a:extLst>
-              <a:ext uri="{FF2B5EF4-FFF2-40B4-BE49-F238E27FC236}">
-                <a16:creationId xmlns:a16="http://schemas.microsoft.com/office/drawing/2014/main" id="{05AD6208-FDF5-4E18-B54E-1C8700F351CC}"/>
-              </a:ext>
-            </a:extLst>
-          </p:cNvPr>
-          <p:cNvSpPr txBox="1"/>
-          <p:nvPr/>
-        </p:nvSpPr>
-        <p:spPr>
-          <a:xfrm>
-            <a:off x="2170887" y="1152983"/>
-            <a:ext cx="7850226" cy="1569660"/>
-          </a:xfrm>
-          <a:prstGeom prst="rect">
-            <a:avLst/>
-          </a:prstGeom>
-          <a:noFill/>
-        </p:spPr>
-        <p:txBody>
-          <a:bodyPr wrap="none" rtlCol="0">
-            <a:spAutoFit/>
-          </a:bodyPr>
-          <a:lstStyle/>
-          <a:p>
-            <a:r>
-              <a:rPr lang="ko-KR" altLang="en-US" sz="9600" dirty="0" err="1"/>
-              <a:t>만들게된</a:t>
-            </a:r>
-            <a:r>
-              <a:rPr lang="ko-KR" altLang="en-US" sz="9600" dirty="0"/>
-              <a:t> 이유</a:t>
-            </a:r>
-            <a:endParaRPr lang="en-US" sz="9600" dirty="0"/>
-          </a:p>
-        </p:txBody>
-      </p:sp>
-      <p:sp>
-        <p:nvSpPr>
-          <p:cNvPr id="3" name="Rectangle 2">
-            <a:extLst>
-              <a:ext uri="{FF2B5EF4-FFF2-40B4-BE49-F238E27FC236}">
-                <a16:creationId xmlns:a16="http://schemas.microsoft.com/office/drawing/2014/main" id="{51A88F55-3FA9-4081-909D-C11E3BE59436}"/>
-              </a:ext>
-            </a:extLst>
-          </p:cNvPr>
-          <p:cNvSpPr/>
-          <p:nvPr/>
-        </p:nvSpPr>
-        <p:spPr>
-          <a:xfrm>
-            <a:off x="2170887" y="2828835"/>
-            <a:ext cx="6096000" cy="1200329"/>
-          </a:xfrm>
-          <a:prstGeom prst="rect">
-            <a:avLst/>
-          </a:prstGeom>
-        </p:spPr>
-        <p:txBody>
-          <a:bodyPr>
-            <a:spAutoFit/>
-          </a:bodyPr>
-          <a:lstStyle/>
-          <a:p>
-            <a:r>
-              <a:rPr lang="en-US" altLang="ko-KR" dirty="0" err="1"/>
-              <a:t>E'Motion</a:t>
-            </a:r>
-            <a:r>
-              <a:rPr lang="en-US" altLang="ko-KR" dirty="0"/>
-              <a:t> </a:t>
-            </a:r>
-            <a:r>
-              <a:rPr lang="ko-KR" altLang="en-US" dirty="0"/>
-              <a:t>은 고객의 감정을 다양한 센서와 게임플레이를 통해 추적하여 게임을 플레이 하면서 자신의 감정을 게임과 공감할 수 있도록 게임의 형태와 환경</a:t>
-            </a:r>
-            <a:r>
-              <a:rPr lang="en-US" altLang="ko-KR" dirty="0"/>
-              <a:t>, </a:t>
-            </a:r>
-            <a:r>
-              <a:rPr lang="ko-KR" altLang="en-US" dirty="0"/>
-              <a:t>이벤트 및 디자인이 변하는 초 반응적인 모험게임 입니다</a:t>
-            </a:r>
-            <a:r>
-              <a:rPr lang="en-US" altLang="ko-KR" dirty="0"/>
-              <a:t>.</a:t>
-            </a:r>
-            <a:endParaRPr lang="en-US" dirty="0"/>
-          </a:p>
-        </p:txBody>
-      </p:sp>
-    </p:spTree>
-    <p:extLst>
-      <p:ext uri="{BB962C8B-B14F-4D97-AF65-F5344CB8AC3E}">
-        <p14:creationId xmlns:p14="http://schemas.microsoft.com/office/powerpoint/2010/main" val="2992833010"/>
-      </p:ext>
-    </p:extLst>
-  </p:cSld>
-  <p:clrMapOvr>
-    <a:masterClrMapping/>
-  </p:clrMapOvr>
+  <p:timing>
+    <p:tnLst>
+      <p:par>
+        <p:cTn id="1" dur="indefinite" restart="never" nodeType="tmRoot"/>
+      </p:par>
+    </p:tnLst>
+  </p:timing>
 </p:sld>
 </file>
 
@@ -7868,6 +7879,131 @@
       </p:grpSpPr>
       <p:sp>
         <p:nvSpPr>
+          <p:cNvPr id="2" name="TextBox 1">
+            <a:extLst>
+              <a:ext uri="{FF2B5EF4-FFF2-40B4-BE49-F238E27FC236}">
+                <a16:creationId xmlns:a16="http://schemas.microsoft.com/office/drawing/2014/main" id="{05AD6208-FDF5-4E18-B54E-1C8700F351CC}"/>
+              </a:ext>
+            </a:extLst>
+          </p:cNvPr>
+          <p:cNvSpPr txBox="1"/>
+          <p:nvPr/>
+        </p:nvSpPr>
+        <p:spPr>
+          <a:xfrm>
+            <a:off x="2170887" y="1152983"/>
+            <a:ext cx="7850226" cy="1569660"/>
+          </a:xfrm>
+          <a:prstGeom prst="rect">
+            <a:avLst/>
+          </a:prstGeom>
+          <a:noFill/>
+        </p:spPr>
+        <p:txBody>
+          <a:bodyPr wrap="none" rtlCol="0">
+            <a:spAutoFit/>
+          </a:bodyPr>
+          <a:lstStyle/>
+          <a:p>
+            <a:r>
+              <a:rPr lang="ko-KR" altLang="en-US" sz="9600" dirty="0" err="1"/>
+              <a:t>만들게된</a:t>
+            </a:r>
+            <a:r>
+              <a:rPr lang="ko-KR" altLang="en-US" sz="9600" dirty="0"/>
+              <a:t> 이유</a:t>
+            </a:r>
+            <a:endParaRPr lang="en-US" sz="9600" dirty="0"/>
+          </a:p>
+        </p:txBody>
+      </p:sp>
+      <p:sp>
+        <p:nvSpPr>
+          <p:cNvPr id="3" name="Rectangle 2">
+            <a:extLst>
+              <a:ext uri="{FF2B5EF4-FFF2-40B4-BE49-F238E27FC236}">
+                <a16:creationId xmlns:a16="http://schemas.microsoft.com/office/drawing/2014/main" id="{51A88F55-3FA9-4081-909D-C11E3BE59436}"/>
+              </a:ext>
+            </a:extLst>
+          </p:cNvPr>
+          <p:cNvSpPr/>
+          <p:nvPr/>
+        </p:nvSpPr>
+        <p:spPr>
+          <a:xfrm>
+            <a:off x="2170887" y="2828835"/>
+            <a:ext cx="6096000" cy="1200329"/>
+          </a:xfrm>
+          <a:prstGeom prst="rect">
+            <a:avLst/>
+          </a:prstGeom>
+        </p:spPr>
+        <p:txBody>
+          <a:bodyPr>
+            <a:spAutoFit/>
+          </a:bodyPr>
+          <a:lstStyle/>
+          <a:p>
+            <a:r>
+              <a:rPr lang="en-US" altLang="ko-KR" dirty="0" err="1"/>
+              <a:t>E'Motion</a:t>
+            </a:r>
+            <a:r>
+              <a:rPr lang="en-US" altLang="ko-KR" dirty="0"/>
+              <a:t> </a:t>
+            </a:r>
+            <a:r>
+              <a:rPr lang="ko-KR" altLang="en-US" dirty="0"/>
+              <a:t>은 고객의 감정을 다양한 센서와 게임플레이를 통해 추적하여 게임을 플레이 하면서 자신의 감정을 게임과 공감할 수 있도록 게임의 형태와 환경</a:t>
+            </a:r>
+            <a:r>
+              <a:rPr lang="en-US" altLang="ko-KR" dirty="0"/>
+              <a:t>, </a:t>
+            </a:r>
+            <a:r>
+              <a:rPr lang="ko-KR" altLang="en-US" dirty="0"/>
+              <a:t>이벤트 및 디자인이 변하는 초 반응적인 모험게임 입니다</a:t>
+            </a:r>
+            <a:r>
+              <a:rPr lang="en-US" altLang="ko-KR" dirty="0"/>
+              <a:t>.</a:t>
+            </a:r>
+            <a:endParaRPr lang="en-US" dirty="0"/>
+          </a:p>
+        </p:txBody>
+      </p:sp>
+    </p:spTree>
+    <p:extLst>
+      <p:ext uri="{BB962C8B-B14F-4D97-AF65-F5344CB8AC3E}">
+        <p14:creationId xmlns:p14="http://schemas.microsoft.com/office/powerpoint/2010/main" val="2992833010"/>
+      </p:ext>
+    </p:extLst>
+  </p:cSld>
+  <p:clrMapOvr>
+    <a:masterClrMapping/>
+  </p:clrMapOvr>
+</p:sld>
+</file>
+
+<file path=ppt/slides/slide6.xml><?xml version="1.0" encoding="utf-8"?>
+<p:sld xmlns:a="http://schemas.openxmlformats.org/drawingml/2006/main" xmlns:r="http://schemas.openxmlformats.org/officeDocument/2006/relationships" xmlns:p="http://schemas.openxmlformats.org/presentationml/2006/main">
+  <p:cSld>
+    <p:spTree>
+      <p:nvGrpSpPr>
+        <p:cNvPr id="1" name=""/>
+        <p:cNvGrpSpPr/>
+        <p:nvPr/>
+      </p:nvGrpSpPr>
+      <p:grpSpPr>
+        <a:xfrm>
+          <a:off x="0" y="0"/>
+          <a:ext cx="0" cy="0"/>
+          <a:chOff x="0" y="0"/>
+          <a:chExt cx="0" cy="0"/>
+        </a:xfrm>
+      </p:grpSpPr>
+      <p:sp>
+        <p:nvSpPr>
           <p:cNvPr id="5" name="TextBox 4">
             <a:extLst>
               <a:ext uri="{FF2B5EF4-FFF2-40B4-BE49-F238E27FC236}">
@@ -9148,7 +9284,7 @@
 </p:sld>
 </file>
 
-<file path=ppt/slides/slide6.xml><?xml version="1.0" encoding="utf-8"?>
+<file path=ppt/slides/slide7.xml><?xml version="1.0" encoding="utf-8"?>
 <p:sld xmlns:a="http://schemas.openxmlformats.org/drawingml/2006/main" xmlns:r="http://schemas.openxmlformats.org/officeDocument/2006/relationships" xmlns:p="http://schemas.openxmlformats.org/presentationml/2006/main">
   <p:cSld>
     <p:bg>
@@ -9278,7 +9414,7 @@
 </p:sld>
 </file>
 
-<file path=ppt/slides/slide7.xml><?xml version="1.0" encoding="utf-8"?>
+<file path=ppt/slides/slide8.xml><?xml version="1.0" encoding="utf-8"?>
 <p:sld xmlns:a="http://schemas.openxmlformats.org/drawingml/2006/main" xmlns:r="http://schemas.openxmlformats.org/officeDocument/2006/relationships" xmlns:p="http://schemas.openxmlformats.org/presentationml/2006/main">
   <p:cSld>
     <p:spTree>
@@ -10094,7 +10230,7 @@
 </p:sld>
 </file>
 
-<file path=ppt/slides/slide8.xml><?xml version="1.0" encoding="utf-8"?>
+<file path=ppt/slides/slide9.xml><?xml version="1.0" encoding="utf-8"?>
 <p:sld xmlns:a="http://schemas.openxmlformats.org/drawingml/2006/main" xmlns:r="http://schemas.openxmlformats.org/officeDocument/2006/relationships" xmlns:p="http://schemas.openxmlformats.org/presentationml/2006/main">
   <p:cSld>
     <p:bg>
@@ -10246,72 +10382,6 @@
     <p:extLst>
       <p:ext uri="{BB962C8B-B14F-4D97-AF65-F5344CB8AC3E}">
         <p14:creationId xmlns:p14="http://schemas.microsoft.com/office/powerpoint/2010/main" val="2595238"/>
-      </p:ext>
-    </p:extLst>
-  </p:cSld>
-  <p:clrMapOvr>
-    <a:masterClrMapping/>
-  </p:clrMapOvr>
-</p:sld>
-</file>
-
-<file path=ppt/slides/slide9.xml><?xml version="1.0" encoding="utf-8"?>
-<p:sld xmlns:a="http://schemas.openxmlformats.org/drawingml/2006/main" xmlns:r="http://schemas.openxmlformats.org/officeDocument/2006/relationships" xmlns:p="http://schemas.openxmlformats.org/presentationml/2006/main">
-  <p:cSld>
-    <p:spTree>
-      <p:nvGrpSpPr>
-        <p:cNvPr id="1" name=""/>
-        <p:cNvGrpSpPr/>
-        <p:nvPr/>
-      </p:nvGrpSpPr>
-      <p:grpSpPr>
-        <a:xfrm>
-          <a:off x="0" y="0"/>
-          <a:ext cx="0" cy="0"/>
-          <a:chOff x="0" y="0"/>
-          <a:chExt cx="0" cy="0"/>
-        </a:xfrm>
-      </p:grpSpPr>
-      <p:sp>
-        <p:nvSpPr>
-          <p:cNvPr id="2" name="TextBox 1">
-            <a:extLst>
-              <a:ext uri="{FF2B5EF4-FFF2-40B4-BE49-F238E27FC236}">
-                <a16:creationId xmlns:a16="http://schemas.microsoft.com/office/drawing/2014/main" id="{D5B4F999-995C-4458-8F8E-E66422DFEED6}"/>
-              </a:ext>
-            </a:extLst>
-          </p:cNvPr>
-          <p:cNvSpPr txBox="1"/>
-          <p:nvPr/>
-        </p:nvSpPr>
-        <p:spPr>
-          <a:xfrm>
-            <a:off x="742950" y="533400"/>
-            <a:ext cx="1391728" cy="369332"/>
-          </a:xfrm>
-          <a:prstGeom prst="rect">
-            <a:avLst/>
-          </a:prstGeom>
-          <a:noFill/>
-        </p:spPr>
-        <p:txBody>
-          <a:bodyPr wrap="none" rtlCol="0">
-            <a:spAutoFit/>
-          </a:bodyPr>
-          <a:lstStyle/>
-          <a:p>
-            <a:r>
-              <a:rPr lang="ko-KR" altLang="en-US" dirty="0"/>
-              <a:t>게임 플레이</a:t>
-            </a:r>
-            <a:endParaRPr lang="en-US" dirty="0"/>
-          </a:p>
-        </p:txBody>
-      </p:sp>
-    </p:spTree>
-    <p:extLst>
-      <p:ext uri="{BB962C8B-B14F-4D97-AF65-F5344CB8AC3E}">
-        <p14:creationId xmlns:p14="http://schemas.microsoft.com/office/powerpoint/2010/main" val="22560958"/>
       </p:ext>
     </p:extLst>
   </p:cSld>
